--- a/demo/Presentation - CyberPulse.pptx
+++ b/demo/Presentation - CyberPulse.pptx
@@ -13,21 +13,35 @@
     <p:sldId id="261" r:id="rId11"/>
     <p:sldId id="262" r:id="rId12"/>
     <p:sldId id="263" r:id="rId13"/>
+    <p:sldId id="264" r:id="rId14"/>
+    <p:sldId id="265" r:id="rId15"/>
   </p:sldIdLst>
   <p:sldSz cx="18288000" cy="10287000"/>
   <p:notesSz cx="6858000" cy="9144000"/>
   <p:embeddedFontLst>
     <p:embeddedFont>
       <p:font typeface="Public Sans Thin" charset="1" panose="00000000000000000000"/>
-      <p:regular r:id="rId14"/>
+      <p:regular r:id="rId16"/>
     </p:embeddedFont>
     <p:embeddedFont>
       <p:font typeface="Public Sans Bold" charset="1" panose="00000000000000000000"/>
-      <p:regular r:id="rId15"/>
+      <p:regular r:id="rId17"/>
     </p:embeddedFont>
     <p:embeddedFont>
       <p:font typeface="Public Sans" charset="1" panose="00000000000000000000"/>
-      <p:regular r:id="rId16"/>
+      <p:regular r:id="rId18"/>
+    </p:embeddedFont>
+    <p:embeddedFont>
+      <p:font typeface="Canva Sans" charset="1" panose="020B0503030501040103"/>
+      <p:regular r:id="rId19"/>
+    </p:embeddedFont>
+    <p:embeddedFont>
+      <p:font typeface="Canva Sans Bold" charset="1" panose="020B0803030501040103"/>
+      <p:regular r:id="rId20"/>
+    </p:embeddedFont>
+    <p:embeddedFont>
+      <p:font typeface="Arimo Bold" charset="1" panose="020B0704020202020204"/>
+      <p:regular r:id="rId21"/>
     </p:embeddedFont>
   </p:embeddedFontLst>
   <p:defaultTextStyle>
@@ -3275,13 +3289,13 @@
 </p:sld>
 </file>
 
-<file path=ppt/slides/slide2.xml><?xml version="1.0" encoding="utf-8"?>
+<file path=ppt/slides/slide10.xml><?xml version="1.0" encoding="utf-8"?>
 <p:sld xmlns:p="http://schemas.openxmlformats.org/presentationml/2006/main" xmlns:a="http://schemas.openxmlformats.org/drawingml/2006/main" xmlns:r="http://schemas.openxmlformats.org/officeDocument/2006/relationships">
   <p:cSld>
     <p:bg>
       <p:bgPr>
         <a:solidFill>
-          <a:srgbClr val="B0C4D4"/>
+          <a:srgbClr val="EDF1F3"/>
         </a:solidFill>
       </p:bgPr>
     </p:bg>
@@ -3301,55 +3315,14 @@
       </p:grpSpPr>
       <p:sp>
         <p:nvSpPr>
-          <p:cNvPr name="TextBox 2" id="2"/>
-          <p:cNvSpPr txBox="true"/>
-          <p:nvPr/>
-        </p:nvSpPr>
-        <p:spPr>
-          <a:xfrm rot="0">
-            <a:off x="1028700" y="3697605"/>
-            <a:ext cx="4971501" cy="2635250"/>
-          </a:xfrm>
-          <a:prstGeom prst="rect">
-            <a:avLst/>
-          </a:prstGeom>
-        </p:spPr>
-        <p:txBody>
-          <a:bodyPr anchor="t" rtlCol="false" tIns="0" lIns="0" bIns="0" rIns="0">
-            <a:spAutoFit/>
-          </a:bodyPr>
-          <a:lstStyle/>
-          <a:p>
-            <a:pPr algn="l" marL="0" indent="0" lvl="0">
-              <a:lnSpc>
-                <a:spcPts val="7000"/>
-              </a:lnSpc>
-            </a:pPr>
-            <a:r>
-              <a:rPr lang="en-US" b="true" sz="5000">
-                <a:solidFill>
-                  <a:srgbClr val="000000"/>
-                </a:solidFill>
-                <a:latin typeface="Public Sans Bold"/>
-                <a:ea typeface="Public Sans Bold"/>
-                <a:cs typeface="Public Sans Bold"/>
-                <a:sym typeface="Public Sans Bold"/>
-              </a:rPr>
-              <a:t>Empowering Safe Browsing with CyberPulse</a:t>
-            </a:r>
-          </a:p>
-        </p:txBody>
-      </p:sp>
-      <p:sp>
-        <p:nvSpPr>
-          <p:cNvPr name="Freeform 3" id="3"/>
+          <p:cNvPr name="Freeform 2" id="2"/>
           <p:cNvSpPr/>
           <p:nvPr/>
         </p:nvSpPr>
         <p:spPr>
           <a:xfrm flipH="false" flipV="false" rot="0">
-            <a:off x="7005700" y="3234582"/>
-            <a:ext cx="4276599" cy="3817837"/>
+            <a:off x="12979885" y="0"/>
+            <a:ext cx="5781358" cy="12668315"/>
           </a:xfrm>
           <a:custGeom>
             <a:avLst/>
@@ -3358,18 +3331,18 @@
             <a:cxnLst/>
             <a:rect r="r" b="b" t="t" l="l"/>
             <a:pathLst>
-              <a:path h="3817837" w="4276599">
+              <a:path h="12668315" w="5781358">
                 <a:moveTo>
                   <a:pt x="0" y="0"/>
                 </a:moveTo>
                 <a:lnTo>
-                  <a:pt x="4276600" y="0"/>
-                </a:lnTo>
-                <a:lnTo>
-                  <a:pt x="4276600" y="3817836"/>
-                </a:lnTo>
-                <a:lnTo>
-                  <a:pt x="0" y="3817836"/>
+                  <a:pt x="5781359" y="0"/>
+                </a:lnTo>
+                <a:lnTo>
+                  <a:pt x="5781359" y="12668315"/>
+                </a:lnTo>
+                <a:lnTo>
+                  <a:pt x="0" y="12668315"/>
                 </a:lnTo>
                 <a:lnTo>
                   <a:pt x="0" y="0"/>
@@ -3380,7 +3353,6 @@
           </a:custGeom>
           <a:blipFill>
             <a:blip r:embed="rId2">
-              <a:alphaModFix amt="50000"/>
               <a:extLst>
                 <a:ext uri="{96DAC541-7B7A-43D3-8B79-37D633B846F1}">
                   <asvg:svgBlip xmlns:asvg="http://schemas.microsoft.com/office/drawing/2016/SVG/main" r:embed="rId3"/>
@@ -3395,14 +3367,14 @@
       </p:sp>
       <p:sp>
         <p:nvSpPr>
-          <p:cNvPr name="TextBox 4" id="4"/>
+          <p:cNvPr name="TextBox 3" id="3"/>
           <p:cNvSpPr txBox="true"/>
           <p:nvPr/>
         </p:nvSpPr>
         <p:spPr>
           <a:xfrm rot="0">
-            <a:off x="12265405" y="3812858"/>
-            <a:ext cx="4993895" cy="2604135"/>
+            <a:off x="2743200" y="3570422"/>
+            <a:ext cx="9106663" cy="2028220"/>
           </a:xfrm>
           <a:prstGeom prst="rect">
             <a:avLst/>
@@ -3416,23 +3388,11 @@
           <a:p>
             <a:pPr algn="l" marL="0" indent="0" lvl="0">
               <a:lnSpc>
-                <a:spcPts val="2940"/>
+                <a:spcPts val="7910"/>
               </a:lnSpc>
             </a:pPr>
             <a:r>
-              <a:rPr lang="en-US" sz="2100">
-                <a:solidFill>
-                  <a:srgbClr val="000000"/>
-                </a:solidFill>
-                <a:latin typeface="Public Sans"/>
-                <a:ea typeface="Public Sans"/>
-                <a:cs typeface="Public Sans"/>
-                <a:sym typeface="Public Sans"/>
-              </a:rPr>
-              <a:t>CyberPulse is designed to </a:t>
-            </a:r>
-            <a:r>
-              <a:rPr lang="en-US" b="true" sz="2100">
+              <a:rPr lang="en-US" b="true" sz="6591">
                 <a:solidFill>
                   <a:srgbClr val="000000"/>
                 </a:solidFill>
@@ -3441,32 +3401,32 @@
                 <a:cs typeface="Public Sans Bold"/>
                 <a:sym typeface="Public Sans Bold"/>
               </a:rPr>
-              <a:t>assist novice internet users</a:t>
-            </a:r>
-            <a:r>
-              <a:rPr lang="en-US" sz="2100">
+              <a:t>Tha</a:t>
+            </a:r>
+            <a:r>
+              <a:rPr lang="en-US" b="true" sz="6591">
                 <a:solidFill>
                   <a:srgbClr val="000000"/>
                 </a:solidFill>
-                <a:latin typeface="Public Sans"/>
-                <a:ea typeface="Public Sans"/>
-                <a:cs typeface="Public Sans"/>
-                <a:sym typeface="Public Sans"/>
+                <a:latin typeface="Public Sans Bold"/>
+                <a:ea typeface="Public Sans Bold"/>
+                <a:cs typeface="Public Sans Bold"/>
+                <a:sym typeface="Public Sans Bold"/>
               </a:rPr>
-              <a:t> in identifying and verifying suspicious online resources. This helps enhance digital safety, educate users, and foster a community-driven approach to cybersecurity awareness and protection.</a:t>
+              <a:t>nk You for Exploring CyberPulse!</a:t>
             </a:r>
           </a:p>
         </p:txBody>
       </p:sp>
       <p:sp>
         <p:nvSpPr>
-          <p:cNvPr name="Freeform 5" id="5"/>
+          <p:cNvPr name="Freeform 4" id="4"/>
           <p:cNvSpPr/>
           <p:nvPr/>
         </p:nvSpPr>
         <p:spPr>
           <a:xfrm flipH="false" flipV="false" rot="0">
-            <a:off x="2994154" y="-520296"/>
+            <a:off x="11849863" y="3796993"/>
             <a:ext cx="1040592" cy="1040592"/>
           </a:xfrm>
           <a:custGeom>
@@ -3481,10 +3441,10 @@
                   <a:pt x="0" y="0"/>
                 </a:moveTo>
                 <a:lnTo>
-                  <a:pt x="1040593" y="0"/>
-                </a:lnTo>
-                <a:lnTo>
-                  <a:pt x="1040593" y="1040592"/>
+                  <a:pt x="1040592" y="0"/>
+                </a:lnTo>
+                <a:lnTo>
+                  <a:pt x="1040592" y="1040592"/>
                 </a:lnTo>
                 <a:lnTo>
                   <a:pt x="0" y="1040592"/>
@@ -3512,13 +3472,13 @@
       </p:sp>
       <p:sp>
         <p:nvSpPr>
-          <p:cNvPr name="Freeform 6" id="6"/>
+          <p:cNvPr name="Freeform 5" id="5"/>
           <p:cNvSpPr/>
           <p:nvPr/>
         </p:nvSpPr>
         <p:spPr>
           <a:xfrm flipH="false" flipV="false" rot="0">
-            <a:off x="17767704" y="745116"/>
+            <a:off x="-520296" y="4623204"/>
             <a:ext cx="1040592" cy="1040592"/>
           </a:xfrm>
           <a:custGeom>
@@ -3536,10 +3496,10 @@
                   <a:pt x="1040592" y="0"/>
                 </a:lnTo>
                 <a:lnTo>
-                  <a:pt x="1040592" y="1040593"/>
-                </a:lnTo>
-                <a:lnTo>
-                  <a:pt x="0" y="1040593"/>
+                  <a:pt x="1040592" y="1040592"/>
+                </a:lnTo>
+                <a:lnTo>
+                  <a:pt x="0" y="1040592"/>
                 </a:lnTo>
                 <a:lnTo>
                   <a:pt x="0" y="0"/>
@@ -3564,13 +3524,13 @@
       </p:sp>
       <p:sp>
         <p:nvSpPr>
-          <p:cNvPr name="Freeform 7" id="7"/>
+          <p:cNvPr name="Freeform 6" id="6"/>
           <p:cNvSpPr/>
           <p:nvPr/>
         </p:nvSpPr>
         <p:spPr>
           <a:xfrm flipH="false" flipV="false" rot="0">
-            <a:off x="7254780" y="6532122"/>
+            <a:off x="12735829" y="2549028"/>
             <a:ext cx="1040592" cy="1040592"/>
           </a:xfrm>
           <a:custGeom>
@@ -3616,13 +3576,13 @@
       </p:sp>
       <p:sp>
         <p:nvSpPr>
-          <p:cNvPr name="Freeform 8" id="8"/>
+          <p:cNvPr name="Freeform 7" id="7"/>
           <p:cNvSpPr/>
           <p:nvPr/>
         </p:nvSpPr>
         <p:spPr>
           <a:xfrm flipH="false" flipV="false" rot="0">
-            <a:off x="11446059" y="8943093"/>
+            <a:off x="8103408" y="9528509"/>
             <a:ext cx="1040592" cy="1040592"/>
           </a:xfrm>
           <a:custGeom>
@@ -3640,10 +3600,10 @@
                   <a:pt x="1040592" y="0"/>
                 </a:lnTo>
                 <a:lnTo>
-                  <a:pt x="1040592" y="1040593"/>
-                </a:lnTo>
-                <a:lnTo>
-                  <a:pt x="0" y="1040593"/>
+                  <a:pt x="1040592" y="1040592"/>
+                </a:lnTo>
+                <a:lnTo>
+                  <a:pt x="0" y="1040592"/>
                 </a:lnTo>
                 <a:lnTo>
                   <a:pt x="0" y="0"/>
@@ -3666,113 +3626,9 @@
           </a:blipFill>
         </p:spPr>
       </p:sp>
-      <p:sp>
-        <p:nvSpPr>
-          <p:cNvPr name="Freeform 9" id="9"/>
-          <p:cNvSpPr/>
-          <p:nvPr/>
-        </p:nvSpPr>
-        <p:spPr>
-          <a:xfrm flipH="false" flipV="false" rot="0">
-            <a:off x="10151628" y="9766704"/>
-            <a:ext cx="1040592" cy="1040592"/>
-          </a:xfrm>
-          <a:custGeom>
-            <a:avLst/>
-            <a:gdLst/>
-            <a:ahLst/>
-            <a:cxnLst/>
-            <a:rect r="r" b="b" t="t" l="l"/>
-            <a:pathLst>
-              <a:path h="1040592" w="1040592">
-                <a:moveTo>
-                  <a:pt x="0" y="0"/>
-                </a:moveTo>
-                <a:lnTo>
-                  <a:pt x="1040592" y="0"/>
-                </a:lnTo>
-                <a:lnTo>
-                  <a:pt x="1040592" y="1040592"/>
-                </a:lnTo>
-                <a:lnTo>
-                  <a:pt x="0" y="1040592"/>
-                </a:lnTo>
-                <a:lnTo>
-                  <a:pt x="0" y="0"/>
-                </a:lnTo>
-                <a:close/>
-              </a:path>
-            </a:pathLst>
-          </a:custGeom>
-          <a:blipFill>
-            <a:blip r:embed="rId4">
-              <a:extLst>
-                <a:ext uri="{96DAC541-7B7A-43D3-8B79-37D633B846F1}">
-                  <asvg:svgBlip xmlns:asvg="http://schemas.microsoft.com/office/drawing/2016/SVG/main" r:embed="rId5"/>
-                </a:ext>
-              </a:extLst>
-            </a:blip>
-            <a:stretch>
-              <a:fillRect l="0" t="0" r="0" b="0"/>
-            </a:stretch>
-          </a:blipFill>
-        </p:spPr>
-      </p:sp>
-      <p:sp>
-        <p:nvSpPr>
-          <p:cNvPr name="Freeform 10" id="10"/>
-          <p:cNvSpPr/>
-          <p:nvPr/>
-        </p:nvSpPr>
-        <p:spPr>
-          <a:xfrm flipH="false" flipV="false" rot="0">
-            <a:off x="-520296" y="8422797"/>
-            <a:ext cx="1040592" cy="1040592"/>
-          </a:xfrm>
-          <a:custGeom>
-            <a:avLst/>
-            <a:gdLst/>
-            <a:ahLst/>
-            <a:cxnLst/>
-            <a:rect r="r" b="b" t="t" l="l"/>
-            <a:pathLst>
-              <a:path h="1040592" w="1040592">
-                <a:moveTo>
-                  <a:pt x="0" y="0"/>
-                </a:moveTo>
-                <a:lnTo>
-                  <a:pt x="1040592" y="0"/>
-                </a:lnTo>
-                <a:lnTo>
-                  <a:pt x="1040592" y="1040593"/>
-                </a:lnTo>
-                <a:lnTo>
-                  <a:pt x="0" y="1040593"/>
-                </a:lnTo>
-                <a:lnTo>
-                  <a:pt x="0" y="0"/>
-                </a:lnTo>
-                <a:close/>
-              </a:path>
-            </a:pathLst>
-          </a:custGeom>
-          <a:blipFill>
-            <a:blip r:embed="rId4">
-              <a:extLst>
-                <a:ext uri="{96DAC541-7B7A-43D3-8B79-37D633B846F1}">
-                  <asvg:svgBlip xmlns:asvg="http://schemas.microsoft.com/office/drawing/2016/SVG/main" r:embed="rId5"/>
-                </a:ext>
-              </a:extLst>
-            </a:blip>
-            <a:stretch>
-              <a:fillRect l="0" t="0" r="0" b="0"/>
-            </a:stretch>
-          </a:blipFill>
-        </p:spPr>
-      </p:sp>
       <p:grpSp>
         <p:nvGrpSpPr>
-          <p:cNvPr name="Group 11" id="11"/>
+          <p:cNvPr name="Group 8" id="8"/>
           <p:cNvGrpSpPr/>
           <p:nvPr/>
         </p:nvGrpSpPr>
@@ -3786,7 +3642,7 @@
         </p:grpSpPr>
         <p:sp>
           <p:nvSpPr>
-            <p:cNvPr name="Freeform 12" id="12"/>
+            <p:cNvPr name="Freeform 9" id="9"/>
             <p:cNvSpPr/>
             <p:nvPr/>
           </p:nvSpPr>
@@ -3826,7 +3682,7 @@
             </a:solidFill>
             <a:ln w="38100" cap="sq">
               <a:solidFill>
-                <a:srgbClr val="FEFFFD"/>
+                <a:srgbClr val="0E3B25"/>
               </a:solidFill>
               <a:prstDash val="solid"/>
               <a:miter/>
@@ -3835,7 +3691,7 @@
         </p:sp>
         <p:sp>
           <p:nvSpPr>
-            <p:cNvPr name="TextBox 13" id="13"/>
+            <p:cNvPr name="TextBox 10" id="10"/>
             <p:cNvSpPr txBox="true"/>
             <p:nvPr/>
           </p:nvSpPr>
@@ -3869,7 +3725,1113 @@
 </p:sld>
 </file>
 
+<file path=ppt/slides/slide2.xml><?xml version="1.0" encoding="utf-8"?>
+<p:sld xmlns:p="http://schemas.openxmlformats.org/presentationml/2006/main" xmlns:a="http://schemas.openxmlformats.org/drawingml/2006/main" xmlns:r="http://schemas.openxmlformats.org/officeDocument/2006/relationships">
+  <p:cSld>
+    <p:bg>
+      <p:bgPr>
+        <a:solidFill>
+          <a:srgbClr val="B0C4D4"/>
+        </a:solidFill>
+      </p:bgPr>
+    </p:bg>
+    <p:spTree>
+      <p:nvGrpSpPr>
+        <p:cNvPr id="1" name=""/>
+        <p:cNvGrpSpPr/>
+        <p:nvPr/>
+      </p:nvGrpSpPr>
+      <p:grpSpPr>
+        <a:xfrm>
+          <a:off x="0" y="0"/>
+          <a:ext cx="0" cy="0"/>
+          <a:chOff x="0" y="0"/>
+          <a:chExt cx="0" cy="0"/>
+        </a:xfrm>
+      </p:grpSpPr>
+      <p:sp>
+        <p:nvSpPr>
+          <p:cNvPr name="Freeform 2" id="2"/>
+          <p:cNvSpPr/>
+          <p:nvPr/>
+        </p:nvSpPr>
+        <p:spPr>
+          <a:xfrm flipH="false" flipV="false" rot="0">
+            <a:off x="2994154" y="-520296"/>
+            <a:ext cx="1040592" cy="1040592"/>
+          </a:xfrm>
+          <a:custGeom>
+            <a:avLst/>
+            <a:gdLst/>
+            <a:ahLst/>
+            <a:cxnLst/>
+            <a:rect r="r" b="b" t="t" l="l"/>
+            <a:pathLst>
+              <a:path h="1040592" w="1040592">
+                <a:moveTo>
+                  <a:pt x="0" y="0"/>
+                </a:moveTo>
+                <a:lnTo>
+                  <a:pt x="1040593" y="0"/>
+                </a:lnTo>
+                <a:lnTo>
+                  <a:pt x="1040593" y="1040592"/>
+                </a:lnTo>
+                <a:lnTo>
+                  <a:pt x="0" y="1040592"/>
+                </a:lnTo>
+                <a:lnTo>
+                  <a:pt x="0" y="0"/>
+                </a:lnTo>
+                <a:close/>
+              </a:path>
+            </a:pathLst>
+          </a:custGeom>
+          <a:blipFill>
+            <a:blip r:embed="rId2">
+              <a:extLst>
+                <a:ext uri="{96DAC541-7B7A-43D3-8B79-37D633B846F1}">
+                  <asvg:svgBlip xmlns:asvg="http://schemas.microsoft.com/office/drawing/2016/SVG/main" r:embed="rId3"/>
+                </a:ext>
+              </a:extLst>
+            </a:blip>
+            <a:stretch>
+              <a:fillRect l="0" t="0" r="0" b="0"/>
+            </a:stretch>
+          </a:blipFill>
+        </p:spPr>
+      </p:sp>
+      <p:sp>
+        <p:nvSpPr>
+          <p:cNvPr name="Freeform 3" id="3"/>
+          <p:cNvSpPr/>
+          <p:nvPr/>
+        </p:nvSpPr>
+        <p:spPr>
+          <a:xfrm flipH="false" flipV="false" rot="0">
+            <a:off x="17767704" y="745116"/>
+            <a:ext cx="1040592" cy="1040592"/>
+          </a:xfrm>
+          <a:custGeom>
+            <a:avLst/>
+            <a:gdLst/>
+            <a:ahLst/>
+            <a:cxnLst/>
+            <a:rect r="r" b="b" t="t" l="l"/>
+            <a:pathLst>
+              <a:path h="1040592" w="1040592">
+                <a:moveTo>
+                  <a:pt x="0" y="0"/>
+                </a:moveTo>
+                <a:lnTo>
+                  <a:pt x="1040592" y="0"/>
+                </a:lnTo>
+                <a:lnTo>
+                  <a:pt x="1040592" y="1040593"/>
+                </a:lnTo>
+                <a:lnTo>
+                  <a:pt x="0" y="1040593"/>
+                </a:lnTo>
+                <a:lnTo>
+                  <a:pt x="0" y="0"/>
+                </a:lnTo>
+                <a:close/>
+              </a:path>
+            </a:pathLst>
+          </a:custGeom>
+          <a:blipFill>
+            <a:blip r:embed="rId2">
+              <a:extLst>
+                <a:ext uri="{96DAC541-7B7A-43D3-8B79-37D633B846F1}">
+                  <asvg:svgBlip xmlns:asvg="http://schemas.microsoft.com/office/drawing/2016/SVG/main" r:embed="rId3"/>
+                </a:ext>
+              </a:extLst>
+            </a:blip>
+            <a:stretch>
+              <a:fillRect l="0" t="0" r="0" b="0"/>
+            </a:stretch>
+          </a:blipFill>
+        </p:spPr>
+      </p:sp>
+      <p:sp>
+        <p:nvSpPr>
+          <p:cNvPr name="Freeform 4" id="4"/>
+          <p:cNvSpPr/>
+          <p:nvPr/>
+        </p:nvSpPr>
+        <p:spPr>
+          <a:xfrm flipH="false" flipV="false" rot="0">
+            <a:off x="7254780" y="6532122"/>
+            <a:ext cx="1040592" cy="1040592"/>
+          </a:xfrm>
+          <a:custGeom>
+            <a:avLst/>
+            <a:gdLst/>
+            <a:ahLst/>
+            <a:cxnLst/>
+            <a:rect r="r" b="b" t="t" l="l"/>
+            <a:pathLst>
+              <a:path h="1040592" w="1040592">
+                <a:moveTo>
+                  <a:pt x="0" y="0"/>
+                </a:moveTo>
+                <a:lnTo>
+                  <a:pt x="1040592" y="0"/>
+                </a:lnTo>
+                <a:lnTo>
+                  <a:pt x="1040592" y="1040593"/>
+                </a:lnTo>
+                <a:lnTo>
+                  <a:pt x="0" y="1040593"/>
+                </a:lnTo>
+                <a:lnTo>
+                  <a:pt x="0" y="0"/>
+                </a:lnTo>
+                <a:close/>
+              </a:path>
+            </a:pathLst>
+          </a:custGeom>
+          <a:blipFill>
+            <a:blip r:embed="rId2">
+              <a:extLst>
+                <a:ext uri="{96DAC541-7B7A-43D3-8B79-37D633B846F1}">
+                  <asvg:svgBlip xmlns:asvg="http://schemas.microsoft.com/office/drawing/2016/SVG/main" r:embed="rId3"/>
+                </a:ext>
+              </a:extLst>
+            </a:blip>
+            <a:stretch>
+              <a:fillRect l="0" t="0" r="0" b="0"/>
+            </a:stretch>
+          </a:blipFill>
+        </p:spPr>
+      </p:sp>
+      <p:sp>
+        <p:nvSpPr>
+          <p:cNvPr name="Freeform 5" id="5"/>
+          <p:cNvSpPr/>
+          <p:nvPr/>
+        </p:nvSpPr>
+        <p:spPr>
+          <a:xfrm flipH="false" flipV="false" rot="0">
+            <a:off x="10151628" y="9766704"/>
+            <a:ext cx="1040592" cy="1040592"/>
+          </a:xfrm>
+          <a:custGeom>
+            <a:avLst/>
+            <a:gdLst/>
+            <a:ahLst/>
+            <a:cxnLst/>
+            <a:rect r="r" b="b" t="t" l="l"/>
+            <a:pathLst>
+              <a:path h="1040592" w="1040592">
+                <a:moveTo>
+                  <a:pt x="0" y="0"/>
+                </a:moveTo>
+                <a:lnTo>
+                  <a:pt x="1040592" y="0"/>
+                </a:lnTo>
+                <a:lnTo>
+                  <a:pt x="1040592" y="1040592"/>
+                </a:lnTo>
+                <a:lnTo>
+                  <a:pt x="0" y="1040592"/>
+                </a:lnTo>
+                <a:lnTo>
+                  <a:pt x="0" y="0"/>
+                </a:lnTo>
+                <a:close/>
+              </a:path>
+            </a:pathLst>
+          </a:custGeom>
+          <a:blipFill>
+            <a:blip r:embed="rId2">
+              <a:extLst>
+                <a:ext uri="{96DAC541-7B7A-43D3-8B79-37D633B846F1}">
+                  <asvg:svgBlip xmlns:asvg="http://schemas.microsoft.com/office/drawing/2016/SVG/main" r:embed="rId3"/>
+                </a:ext>
+              </a:extLst>
+            </a:blip>
+            <a:stretch>
+              <a:fillRect l="0" t="0" r="0" b="0"/>
+            </a:stretch>
+          </a:blipFill>
+        </p:spPr>
+      </p:sp>
+      <p:sp>
+        <p:nvSpPr>
+          <p:cNvPr name="Freeform 6" id="6"/>
+          <p:cNvSpPr/>
+          <p:nvPr/>
+        </p:nvSpPr>
+        <p:spPr>
+          <a:xfrm flipH="false" flipV="false" rot="0">
+            <a:off x="-520296" y="8422797"/>
+            <a:ext cx="1040592" cy="1040592"/>
+          </a:xfrm>
+          <a:custGeom>
+            <a:avLst/>
+            <a:gdLst/>
+            <a:ahLst/>
+            <a:cxnLst/>
+            <a:rect r="r" b="b" t="t" l="l"/>
+            <a:pathLst>
+              <a:path h="1040592" w="1040592">
+                <a:moveTo>
+                  <a:pt x="0" y="0"/>
+                </a:moveTo>
+                <a:lnTo>
+                  <a:pt x="1040592" y="0"/>
+                </a:lnTo>
+                <a:lnTo>
+                  <a:pt x="1040592" y="1040593"/>
+                </a:lnTo>
+                <a:lnTo>
+                  <a:pt x="0" y="1040593"/>
+                </a:lnTo>
+                <a:lnTo>
+                  <a:pt x="0" y="0"/>
+                </a:lnTo>
+                <a:close/>
+              </a:path>
+            </a:pathLst>
+          </a:custGeom>
+          <a:blipFill>
+            <a:blip r:embed="rId2">
+              <a:extLst>
+                <a:ext uri="{96DAC541-7B7A-43D3-8B79-37D633B846F1}">
+                  <asvg:svgBlip xmlns:asvg="http://schemas.microsoft.com/office/drawing/2016/SVG/main" r:embed="rId3"/>
+                </a:ext>
+              </a:extLst>
+            </a:blip>
+            <a:stretch>
+              <a:fillRect l="0" t="0" r="0" b="0"/>
+            </a:stretch>
+          </a:blipFill>
+        </p:spPr>
+      </p:sp>
+      <p:sp>
+        <p:nvSpPr>
+          <p:cNvPr name="Freeform 7" id="7"/>
+          <p:cNvSpPr/>
+          <p:nvPr/>
+        </p:nvSpPr>
+        <p:spPr>
+          <a:xfrm flipH="false" flipV="false" rot="0">
+            <a:off x="782697" y="5154949"/>
+            <a:ext cx="8136372" cy="4611755"/>
+          </a:xfrm>
+          <a:custGeom>
+            <a:avLst/>
+            <a:gdLst/>
+            <a:ahLst/>
+            <a:cxnLst/>
+            <a:rect r="r" b="b" t="t" l="l"/>
+            <a:pathLst>
+              <a:path h="4611755" w="8136372">
+                <a:moveTo>
+                  <a:pt x="0" y="0"/>
+                </a:moveTo>
+                <a:lnTo>
+                  <a:pt x="8136372" y="0"/>
+                </a:lnTo>
+                <a:lnTo>
+                  <a:pt x="8136372" y="4611755"/>
+                </a:lnTo>
+                <a:lnTo>
+                  <a:pt x="0" y="4611755"/>
+                </a:lnTo>
+                <a:lnTo>
+                  <a:pt x="0" y="0"/>
+                </a:lnTo>
+                <a:close/>
+              </a:path>
+            </a:pathLst>
+          </a:custGeom>
+          <a:blipFill>
+            <a:blip r:embed="rId4"/>
+            <a:stretch>
+              <a:fillRect l="0" t="0" r="0" b="0"/>
+            </a:stretch>
+          </a:blipFill>
+        </p:spPr>
+      </p:sp>
+      <p:sp>
+        <p:nvSpPr>
+          <p:cNvPr name="Freeform 8" id="8"/>
+          <p:cNvSpPr/>
+          <p:nvPr/>
+        </p:nvSpPr>
+        <p:spPr>
+          <a:xfrm flipH="false" flipV="false" rot="0">
+            <a:off x="782697" y="388574"/>
+            <a:ext cx="8361303" cy="4071380"/>
+          </a:xfrm>
+          <a:custGeom>
+            <a:avLst/>
+            <a:gdLst/>
+            <a:ahLst/>
+            <a:cxnLst/>
+            <a:rect r="r" b="b" t="t" l="l"/>
+            <a:pathLst>
+              <a:path h="4071380" w="8361303">
+                <a:moveTo>
+                  <a:pt x="0" y="0"/>
+                </a:moveTo>
+                <a:lnTo>
+                  <a:pt x="8361303" y="0"/>
+                </a:lnTo>
+                <a:lnTo>
+                  <a:pt x="8361303" y="4071380"/>
+                </a:lnTo>
+                <a:lnTo>
+                  <a:pt x="0" y="4071380"/>
+                </a:lnTo>
+                <a:lnTo>
+                  <a:pt x="0" y="0"/>
+                </a:lnTo>
+                <a:close/>
+              </a:path>
+            </a:pathLst>
+          </a:custGeom>
+          <a:blipFill>
+            <a:blip r:embed="rId5"/>
+            <a:stretch>
+              <a:fillRect l="0" t="0" r="0" b="0"/>
+            </a:stretch>
+          </a:blipFill>
+        </p:spPr>
+      </p:sp>
+      <p:sp>
+        <p:nvSpPr>
+          <p:cNvPr name="TextBox 9" id="9"/>
+          <p:cNvSpPr txBox="true"/>
+          <p:nvPr/>
+        </p:nvSpPr>
+        <p:spPr>
+          <a:xfrm rot="0">
+            <a:off x="9996964" y="1890475"/>
+            <a:ext cx="7262336" cy="1536052"/>
+          </a:xfrm>
+          <a:prstGeom prst="rect">
+            <a:avLst/>
+          </a:prstGeom>
+        </p:spPr>
+        <p:txBody>
+          <a:bodyPr anchor="t" rtlCol="false" tIns="0" lIns="0" bIns="0" rIns="0">
+            <a:spAutoFit/>
+          </a:bodyPr>
+          <a:lstStyle/>
+          <a:p>
+            <a:pPr algn="l">
+              <a:lnSpc>
+                <a:spcPts val="6160"/>
+              </a:lnSpc>
+            </a:pPr>
+            <a:r>
+              <a:rPr lang="en-US" sz="4400">
+                <a:solidFill>
+                  <a:srgbClr val="3D3B54"/>
+                </a:solidFill>
+                <a:latin typeface="Canva Sans"/>
+                <a:ea typeface="Canva Sans"/>
+                <a:cs typeface="Canva Sans"/>
+                <a:sym typeface="Canva Sans"/>
+              </a:rPr>
+              <a:t>Scams </a:t>
+            </a:r>
+            <a:r>
+              <a:rPr lang="en-US" sz="4400">
+                <a:solidFill>
+                  <a:srgbClr val="3D3B54"/>
+                </a:solidFill>
+                <a:latin typeface="Canva Sans"/>
+                <a:ea typeface="Canva Sans"/>
+                <a:cs typeface="Canva Sans"/>
+                <a:sym typeface="Canva Sans"/>
+              </a:rPr>
+              <a:t>Are Getting Smarter</a:t>
+            </a:r>
+          </a:p>
+          <a:p>
+            <a:pPr algn="l">
+              <a:lnSpc>
+                <a:spcPts val="6160"/>
+              </a:lnSpc>
+            </a:pPr>
+            <a:r>
+              <a:rPr lang="en-US" sz="4400">
+                <a:solidFill>
+                  <a:srgbClr val="3D3B54"/>
+                </a:solidFill>
+                <a:latin typeface="Canva Sans"/>
+                <a:ea typeface="Canva Sans"/>
+                <a:cs typeface="Canva Sans"/>
+                <a:sym typeface="Canva Sans"/>
+              </a:rPr>
+              <a:t> and We’re Falling for Them</a:t>
+            </a:r>
+          </a:p>
+        </p:txBody>
+      </p:sp>
+      <p:sp>
+        <p:nvSpPr>
+          <p:cNvPr name="TextBox 10" id="10"/>
+          <p:cNvSpPr txBox="true"/>
+          <p:nvPr/>
+        </p:nvSpPr>
+        <p:spPr>
+          <a:xfrm rot="0">
+            <a:off x="9652941" y="5924775"/>
+            <a:ext cx="8071417" cy="1536052"/>
+          </a:xfrm>
+          <a:prstGeom prst="rect">
+            <a:avLst/>
+          </a:prstGeom>
+        </p:spPr>
+        <p:txBody>
+          <a:bodyPr anchor="t" rtlCol="false" tIns="0" lIns="0" bIns="0" rIns="0">
+            <a:spAutoFit/>
+          </a:bodyPr>
+          <a:lstStyle/>
+          <a:p>
+            <a:pPr algn="l">
+              <a:lnSpc>
+                <a:spcPts val="6160"/>
+              </a:lnSpc>
+            </a:pPr>
+            <a:r>
+              <a:rPr lang="en-US" sz="4400" b="true">
+                <a:solidFill>
+                  <a:srgbClr val="3D3B54"/>
+                </a:solidFill>
+                <a:latin typeface="Canva Sans Bold"/>
+                <a:ea typeface="Canva Sans Bold"/>
+                <a:cs typeface="Canva Sans Bold"/>
+                <a:sym typeface="Canva Sans Bold"/>
+              </a:rPr>
+              <a:t>Th</a:t>
+            </a:r>
+            <a:r>
+              <a:rPr lang="en-US" b="true" sz="4400">
+                <a:solidFill>
+                  <a:srgbClr val="3D3B54"/>
+                </a:solidFill>
+                <a:latin typeface="Canva Sans Bold"/>
+                <a:ea typeface="Canva Sans Bold"/>
+                <a:cs typeface="Canva Sans Bold"/>
+                <a:sym typeface="Canva Sans Bold"/>
+              </a:rPr>
+              <a:t>e Problem: We’re Not Equipped to Spot the Threats</a:t>
+            </a:r>
+          </a:p>
+        </p:txBody>
+      </p:sp>
+    </p:spTree>
+  </p:cSld>
+  <p:clrMapOvr>
+    <a:masterClrMapping/>
+  </p:clrMapOvr>
+</p:sld>
+</file>
+
 <file path=ppt/slides/slide3.xml><?xml version="1.0" encoding="utf-8"?>
+<p:sld xmlns:p="http://schemas.openxmlformats.org/presentationml/2006/main" xmlns:a="http://schemas.openxmlformats.org/drawingml/2006/main" xmlns:r="http://schemas.openxmlformats.org/officeDocument/2006/relationships">
+  <p:cSld>
+    <p:bg>
+      <p:bgPr>
+        <a:solidFill>
+          <a:srgbClr val="B0C4D4"/>
+        </a:solidFill>
+      </p:bgPr>
+    </p:bg>
+    <p:spTree>
+      <p:nvGrpSpPr>
+        <p:cNvPr id="1" name=""/>
+        <p:cNvGrpSpPr/>
+        <p:nvPr/>
+      </p:nvGrpSpPr>
+      <p:grpSpPr>
+        <a:xfrm>
+          <a:off x="0" y="0"/>
+          <a:ext cx="0" cy="0"/>
+          <a:chOff x="0" y="0"/>
+          <a:chExt cx="0" cy="0"/>
+        </a:xfrm>
+      </p:grpSpPr>
+      <p:sp>
+        <p:nvSpPr>
+          <p:cNvPr name="TextBox 2" id="2"/>
+          <p:cNvSpPr txBox="true"/>
+          <p:nvPr/>
+        </p:nvSpPr>
+        <p:spPr>
+          <a:xfrm rot="0">
+            <a:off x="1017991" y="3191402"/>
+            <a:ext cx="5407383" cy="1616710"/>
+          </a:xfrm>
+          <a:prstGeom prst="rect">
+            <a:avLst/>
+          </a:prstGeom>
+        </p:spPr>
+        <p:txBody>
+          <a:bodyPr anchor="t" rtlCol="false" tIns="0" lIns="0" bIns="0" rIns="0">
+            <a:spAutoFit/>
+          </a:bodyPr>
+          <a:lstStyle/>
+          <a:p>
+            <a:pPr algn="l" marL="0" indent="0" lvl="0">
+              <a:lnSpc>
+                <a:spcPts val="6440"/>
+              </a:lnSpc>
+            </a:pPr>
+            <a:r>
+              <a:rPr lang="en-US" b="true" sz="4600">
+                <a:solidFill>
+                  <a:srgbClr val="FFFFFF"/>
+                </a:solidFill>
+                <a:latin typeface="Arimo Bold"/>
+                <a:ea typeface="Arimo Bold"/>
+                <a:cs typeface="Arimo Bold"/>
+                <a:sym typeface="Arimo Bold"/>
+              </a:rPr>
+              <a:t>Empowering Safe Browsing.</a:t>
+            </a:r>
+          </a:p>
+        </p:txBody>
+      </p:sp>
+      <p:sp>
+        <p:nvSpPr>
+          <p:cNvPr name="Freeform 3" id="3"/>
+          <p:cNvSpPr/>
+          <p:nvPr/>
+        </p:nvSpPr>
+        <p:spPr>
+          <a:xfrm flipH="false" flipV="false" rot="0">
+            <a:off x="7005700" y="3234582"/>
+            <a:ext cx="4276599" cy="3817837"/>
+          </a:xfrm>
+          <a:custGeom>
+            <a:avLst/>
+            <a:gdLst/>
+            <a:ahLst/>
+            <a:cxnLst/>
+            <a:rect r="r" b="b" t="t" l="l"/>
+            <a:pathLst>
+              <a:path h="3817837" w="4276599">
+                <a:moveTo>
+                  <a:pt x="0" y="0"/>
+                </a:moveTo>
+                <a:lnTo>
+                  <a:pt x="4276600" y="0"/>
+                </a:lnTo>
+                <a:lnTo>
+                  <a:pt x="4276600" y="3817836"/>
+                </a:lnTo>
+                <a:lnTo>
+                  <a:pt x="0" y="3817836"/>
+                </a:lnTo>
+                <a:lnTo>
+                  <a:pt x="0" y="0"/>
+                </a:lnTo>
+                <a:close/>
+              </a:path>
+            </a:pathLst>
+          </a:custGeom>
+          <a:blipFill>
+            <a:blip r:embed="rId2">
+              <a:alphaModFix amt="50000"/>
+              <a:extLst>
+                <a:ext uri="{96DAC541-7B7A-43D3-8B79-37D633B846F1}">
+                  <asvg:svgBlip xmlns:asvg="http://schemas.microsoft.com/office/drawing/2016/SVG/main" r:embed="rId3"/>
+                </a:ext>
+              </a:extLst>
+            </a:blip>
+            <a:stretch>
+              <a:fillRect l="0" t="0" r="0" b="0"/>
+            </a:stretch>
+          </a:blipFill>
+        </p:spPr>
+      </p:sp>
+      <p:sp>
+        <p:nvSpPr>
+          <p:cNvPr name="TextBox 4" id="4"/>
+          <p:cNvSpPr txBox="true"/>
+          <p:nvPr/>
+        </p:nvSpPr>
+        <p:spPr>
+          <a:xfrm rot="0">
+            <a:off x="12265405" y="3432175"/>
+            <a:ext cx="4993895" cy="4622166"/>
+          </a:xfrm>
+          <a:prstGeom prst="rect">
+            <a:avLst/>
+          </a:prstGeom>
+        </p:spPr>
+        <p:txBody>
+          <a:bodyPr anchor="t" rtlCol="false" tIns="0" lIns="0" bIns="0" rIns="0">
+            <a:spAutoFit/>
+          </a:bodyPr>
+          <a:lstStyle/>
+          <a:p>
+            <a:pPr algn="l" marL="0" indent="0" lvl="0">
+              <a:lnSpc>
+                <a:spcPts val="4059"/>
+              </a:lnSpc>
+            </a:pPr>
+            <a:r>
+              <a:rPr lang="en-US" sz="2899">
+                <a:solidFill>
+                  <a:srgbClr val="3D3B54"/>
+                </a:solidFill>
+                <a:latin typeface="Public Sans"/>
+                <a:ea typeface="Public Sans"/>
+                <a:cs typeface="Public Sans"/>
+                <a:sym typeface="Public Sans"/>
+              </a:rPr>
+              <a:t>CyberPulse is designed to </a:t>
+            </a:r>
+            <a:r>
+              <a:rPr lang="en-US" b="true" sz="2899">
+                <a:solidFill>
+                  <a:srgbClr val="3D3B54"/>
+                </a:solidFill>
+                <a:latin typeface="Public Sans Bold"/>
+                <a:ea typeface="Public Sans Bold"/>
+                <a:cs typeface="Public Sans Bold"/>
+                <a:sym typeface="Public Sans Bold"/>
+              </a:rPr>
+              <a:t>assist novice internet users</a:t>
+            </a:r>
+            <a:r>
+              <a:rPr lang="en-US" sz="2899">
+                <a:solidFill>
+                  <a:srgbClr val="3D3B54"/>
+                </a:solidFill>
+                <a:latin typeface="Public Sans"/>
+                <a:ea typeface="Public Sans"/>
+                <a:cs typeface="Public Sans"/>
+                <a:sym typeface="Public Sans"/>
+              </a:rPr>
+              <a:t> in identifying and verifying suspicious online resources. This helps enhance digital safety, educate users, and foster a community-driven approach to cybersecurity awareness and protection.</a:t>
+            </a:r>
+          </a:p>
+        </p:txBody>
+      </p:sp>
+      <p:sp>
+        <p:nvSpPr>
+          <p:cNvPr name="Freeform 5" id="5"/>
+          <p:cNvSpPr/>
+          <p:nvPr/>
+        </p:nvSpPr>
+        <p:spPr>
+          <a:xfrm flipH="false" flipV="false" rot="0">
+            <a:off x="2994154" y="-520296"/>
+            <a:ext cx="1040592" cy="1040592"/>
+          </a:xfrm>
+          <a:custGeom>
+            <a:avLst/>
+            <a:gdLst/>
+            <a:ahLst/>
+            <a:cxnLst/>
+            <a:rect r="r" b="b" t="t" l="l"/>
+            <a:pathLst>
+              <a:path h="1040592" w="1040592">
+                <a:moveTo>
+                  <a:pt x="0" y="0"/>
+                </a:moveTo>
+                <a:lnTo>
+                  <a:pt x="1040593" y="0"/>
+                </a:lnTo>
+                <a:lnTo>
+                  <a:pt x="1040593" y="1040592"/>
+                </a:lnTo>
+                <a:lnTo>
+                  <a:pt x="0" y="1040592"/>
+                </a:lnTo>
+                <a:lnTo>
+                  <a:pt x="0" y="0"/>
+                </a:lnTo>
+                <a:close/>
+              </a:path>
+            </a:pathLst>
+          </a:custGeom>
+          <a:blipFill>
+            <a:blip r:embed="rId4">
+              <a:extLst>
+                <a:ext uri="{96DAC541-7B7A-43D3-8B79-37D633B846F1}">
+                  <asvg:svgBlip xmlns:asvg="http://schemas.microsoft.com/office/drawing/2016/SVG/main" r:embed="rId5"/>
+                </a:ext>
+              </a:extLst>
+            </a:blip>
+            <a:stretch>
+              <a:fillRect l="0" t="0" r="0" b="0"/>
+            </a:stretch>
+          </a:blipFill>
+        </p:spPr>
+      </p:sp>
+      <p:sp>
+        <p:nvSpPr>
+          <p:cNvPr name="Freeform 6" id="6"/>
+          <p:cNvSpPr/>
+          <p:nvPr/>
+        </p:nvSpPr>
+        <p:spPr>
+          <a:xfrm flipH="false" flipV="false" rot="0">
+            <a:off x="17767704" y="745116"/>
+            <a:ext cx="1040592" cy="1040592"/>
+          </a:xfrm>
+          <a:custGeom>
+            <a:avLst/>
+            <a:gdLst/>
+            <a:ahLst/>
+            <a:cxnLst/>
+            <a:rect r="r" b="b" t="t" l="l"/>
+            <a:pathLst>
+              <a:path h="1040592" w="1040592">
+                <a:moveTo>
+                  <a:pt x="0" y="0"/>
+                </a:moveTo>
+                <a:lnTo>
+                  <a:pt x="1040592" y="0"/>
+                </a:lnTo>
+                <a:lnTo>
+                  <a:pt x="1040592" y="1040593"/>
+                </a:lnTo>
+                <a:lnTo>
+                  <a:pt x="0" y="1040593"/>
+                </a:lnTo>
+                <a:lnTo>
+                  <a:pt x="0" y="0"/>
+                </a:lnTo>
+                <a:close/>
+              </a:path>
+            </a:pathLst>
+          </a:custGeom>
+          <a:blipFill>
+            <a:blip r:embed="rId4">
+              <a:extLst>
+                <a:ext uri="{96DAC541-7B7A-43D3-8B79-37D633B846F1}">
+                  <asvg:svgBlip xmlns:asvg="http://schemas.microsoft.com/office/drawing/2016/SVG/main" r:embed="rId5"/>
+                </a:ext>
+              </a:extLst>
+            </a:blip>
+            <a:stretch>
+              <a:fillRect l="0" t="0" r="0" b="0"/>
+            </a:stretch>
+          </a:blipFill>
+        </p:spPr>
+      </p:sp>
+      <p:sp>
+        <p:nvSpPr>
+          <p:cNvPr name="Freeform 7" id="7"/>
+          <p:cNvSpPr/>
+          <p:nvPr/>
+        </p:nvSpPr>
+        <p:spPr>
+          <a:xfrm flipH="false" flipV="false" rot="0">
+            <a:off x="7254780" y="6532122"/>
+            <a:ext cx="1040592" cy="1040592"/>
+          </a:xfrm>
+          <a:custGeom>
+            <a:avLst/>
+            <a:gdLst/>
+            <a:ahLst/>
+            <a:cxnLst/>
+            <a:rect r="r" b="b" t="t" l="l"/>
+            <a:pathLst>
+              <a:path h="1040592" w="1040592">
+                <a:moveTo>
+                  <a:pt x="0" y="0"/>
+                </a:moveTo>
+                <a:lnTo>
+                  <a:pt x="1040592" y="0"/>
+                </a:lnTo>
+                <a:lnTo>
+                  <a:pt x="1040592" y="1040593"/>
+                </a:lnTo>
+                <a:lnTo>
+                  <a:pt x="0" y="1040593"/>
+                </a:lnTo>
+                <a:lnTo>
+                  <a:pt x="0" y="0"/>
+                </a:lnTo>
+                <a:close/>
+              </a:path>
+            </a:pathLst>
+          </a:custGeom>
+          <a:blipFill>
+            <a:blip r:embed="rId4">
+              <a:extLst>
+                <a:ext uri="{96DAC541-7B7A-43D3-8B79-37D633B846F1}">
+                  <asvg:svgBlip xmlns:asvg="http://schemas.microsoft.com/office/drawing/2016/SVG/main" r:embed="rId5"/>
+                </a:ext>
+              </a:extLst>
+            </a:blip>
+            <a:stretch>
+              <a:fillRect l="0" t="0" r="0" b="0"/>
+            </a:stretch>
+          </a:blipFill>
+        </p:spPr>
+      </p:sp>
+      <p:sp>
+        <p:nvSpPr>
+          <p:cNvPr name="Freeform 8" id="8"/>
+          <p:cNvSpPr/>
+          <p:nvPr/>
+        </p:nvSpPr>
+        <p:spPr>
+          <a:xfrm flipH="false" flipV="false" rot="0">
+            <a:off x="11446059" y="8943093"/>
+            <a:ext cx="1040592" cy="1040592"/>
+          </a:xfrm>
+          <a:custGeom>
+            <a:avLst/>
+            <a:gdLst/>
+            <a:ahLst/>
+            <a:cxnLst/>
+            <a:rect r="r" b="b" t="t" l="l"/>
+            <a:pathLst>
+              <a:path h="1040592" w="1040592">
+                <a:moveTo>
+                  <a:pt x="0" y="0"/>
+                </a:moveTo>
+                <a:lnTo>
+                  <a:pt x="1040592" y="0"/>
+                </a:lnTo>
+                <a:lnTo>
+                  <a:pt x="1040592" y="1040593"/>
+                </a:lnTo>
+                <a:lnTo>
+                  <a:pt x="0" y="1040593"/>
+                </a:lnTo>
+                <a:lnTo>
+                  <a:pt x="0" y="0"/>
+                </a:lnTo>
+                <a:close/>
+              </a:path>
+            </a:pathLst>
+          </a:custGeom>
+          <a:blipFill>
+            <a:blip r:embed="rId4">
+              <a:extLst>
+                <a:ext uri="{96DAC541-7B7A-43D3-8B79-37D633B846F1}">
+                  <asvg:svgBlip xmlns:asvg="http://schemas.microsoft.com/office/drawing/2016/SVG/main" r:embed="rId5"/>
+                </a:ext>
+              </a:extLst>
+            </a:blip>
+            <a:stretch>
+              <a:fillRect l="0" t="0" r="0" b="0"/>
+            </a:stretch>
+          </a:blipFill>
+        </p:spPr>
+      </p:sp>
+      <p:sp>
+        <p:nvSpPr>
+          <p:cNvPr name="Freeform 9" id="9"/>
+          <p:cNvSpPr/>
+          <p:nvPr/>
+        </p:nvSpPr>
+        <p:spPr>
+          <a:xfrm flipH="false" flipV="false" rot="0">
+            <a:off x="10151628" y="9766704"/>
+            <a:ext cx="1040592" cy="1040592"/>
+          </a:xfrm>
+          <a:custGeom>
+            <a:avLst/>
+            <a:gdLst/>
+            <a:ahLst/>
+            <a:cxnLst/>
+            <a:rect r="r" b="b" t="t" l="l"/>
+            <a:pathLst>
+              <a:path h="1040592" w="1040592">
+                <a:moveTo>
+                  <a:pt x="0" y="0"/>
+                </a:moveTo>
+                <a:lnTo>
+                  <a:pt x="1040592" y="0"/>
+                </a:lnTo>
+                <a:lnTo>
+                  <a:pt x="1040592" y="1040592"/>
+                </a:lnTo>
+                <a:lnTo>
+                  <a:pt x="0" y="1040592"/>
+                </a:lnTo>
+                <a:lnTo>
+                  <a:pt x="0" y="0"/>
+                </a:lnTo>
+                <a:close/>
+              </a:path>
+            </a:pathLst>
+          </a:custGeom>
+          <a:blipFill>
+            <a:blip r:embed="rId4">
+              <a:extLst>
+                <a:ext uri="{96DAC541-7B7A-43D3-8B79-37D633B846F1}">
+                  <asvg:svgBlip xmlns:asvg="http://schemas.microsoft.com/office/drawing/2016/SVG/main" r:embed="rId5"/>
+                </a:ext>
+              </a:extLst>
+            </a:blip>
+            <a:stretch>
+              <a:fillRect l="0" t="0" r="0" b="0"/>
+            </a:stretch>
+          </a:blipFill>
+        </p:spPr>
+      </p:sp>
+      <p:sp>
+        <p:nvSpPr>
+          <p:cNvPr name="Freeform 10" id="10"/>
+          <p:cNvSpPr/>
+          <p:nvPr/>
+        </p:nvSpPr>
+        <p:spPr>
+          <a:xfrm flipH="false" flipV="false" rot="0">
+            <a:off x="-520296" y="8422797"/>
+            <a:ext cx="1040592" cy="1040592"/>
+          </a:xfrm>
+          <a:custGeom>
+            <a:avLst/>
+            <a:gdLst/>
+            <a:ahLst/>
+            <a:cxnLst/>
+            <a:rect r="r" b="b" t="t" l="l"/>
+            <a:pathLst>
+              <a:path h="1040592" w="1040592">
+                <a:moveTo>
+                  <a:pt x="0" y="0"/>
+                </a:moveTo>
+                <a:lnTo>
+                  <a:pt x="1040592" y="0"/>
+                </a:lnTo>
+                <a:lnTo>
+                  <a:pt x="1040592" y="1040593"/>
+                </a:lnTo>
+                <a:lnTo>
+                  <a:pt x="0" y="1040593"/>
+                </a:lnTo>
+                <a:lnTo>
+                  <a:pt x="0" y="0"/>
+                </a:lnTo>
+                <a:close/>
+              </a:path>
+            </a:pathLst>
+          </a:custGeom>
+          <a:blipFill>
+            <a:blip r:embed="rId4">
+              <a:extLst>
+                <a:ext uri="{96DAC541-7B7A-43D3-8B79-37D633B846F1}">
+                  <asvg:svgBlip xmlns:asvg="http://schemas.microsoft.com/office/drawing/2016/SVG/main" r:embed="rId5"/>
+                </a:ext>
+              </a:extLst>
+            </a:blip>
+            <a:stretch>
+              <a:fillRect l="0" t="0" r="0" b="0"/>
+            </a:stretch>
+          </a:blipFill>
+        </p:spPr>
+      </p:sp>
+      <p:sp>
+        <p:nvSpPr>
+          <p:cNvPr name="TextBox 11" id="11"/>
+          <p:cNvSpPr txBox="true"/>
+          <p:nvPr/>
+        </p:nvSpPr>
+        <p:spPr>
+          <a:xfrm rot="0">
+            <a:off x="1017991" y="1043080"/>
+            <a:ext cx="15496341" cy="1203313"/>
+          </a:xfrm>
+          <a:prstGeom prst="rect">
+            <a:avLst/>
+          </a:prstGeom>
+        </p:spPr>
+        <p:txBody>
+          <a:bodyPr anchor="t" rtlCol="false" tIns="0" lIns="0" bIns="0" rIns="0">
+            <a:spAutoFit/>
+          </a:bodyPr>
+          <a:lstStyle/>
+          <a:p>
+            <a:pPr algn="ctr">
+              <a:lnSpc>
+                <a:spcPts val="9800"/>
+              </a:lnSpc>
+            </a:pPr>
+            <a:r>
+              <a:rPr lang="en-US" b="true" sz="7000">
+                <a:solidFill>
+                  <a:srgbClr val="FFFFFF"/>
+                </a:solidFill>
+                <a:latin typeface="Canva Sans Bold"/>
+                <a:ea typeface="Canva Sans Bold"/>
+                <a:cs typeface="Canva Sans Bold"/>
+                <a:sym typeface="Canva Sans Bold"/>
+              </a:rPr>
+              <a:t>Meet</a:t>
+            </a:r>
+            <a:r>
+              <a:rPr lang="en-US" b="true" sz="7000">
+                <a:solidFill>
+                  <a:srgbClr val="FFFFFF"/>
+                </a:solidFill>
+                <a:latin typeface="Canva Sans Bold"/>
+                <a:ea typeface="Canva Sans Bold"/>
+                <a:cs typeface="Canva Sans Bold"/>
+                <a:sym typeface="Canva Sans Bold"/>
+              </a:rPr>
+              <a:t> CyberPulse: Your Scam-Shield</a:t>
+            </a:r>
+          </a:p>
+        </p:txBody>
+      </p:sp>
+      <p:sp>
+        <p:nvSpPr>
+          <p:cNvPr name="TextBox 12" id="12"/>
+          <p:cNvSpPr txBox="true"/>
+          <p:nvPr/>
+        </p:nvSpPr>
+        <p:spPr>
+          <a:xfrm rot="0">
+            <a:off x="1017991" y="5261805"/>
+            <a:ext cx="6671443" cy="2426335"/>
+          </a:xfrm>
+          <a:prstGeom prst="rect">
+            <a:avLst/>
+          </a:prstGeom>
+        </p:spPr>
+        <p:txBody>
+          <a:bodyPr anchor="t" rtlCol="false" tIns="0" lIns="0" bIns="0" rIns="0">
+            <a:spAutoFit/>
+          </a:bodyPr>
+          <a:lstStyle/>
+          <a:p>
+            <a:pPr algn="l" marL="0" indent="0" lvl="0">
+              <a:lnSpc>
+                <a:spcPts val="6440"/>
+              </a:lnSpc>
+            </a:pPr>
+            <a:r>
+              <a:rPr lang="en-US" b="true" sz="4600">
+                <a:solidFill>
+                  <a:srgbClr val="FFFFFF"/>
+                </a:solidFill>
+                <a:latin typeface="Arimo Bold"/>
+                <a:ea typeface="Arimo Bold"/>
+                <a:cs typeface="Arimo Bold"/>
+                <a:sym typeface="Arimo Bold"/>
+              </a:rPr>
+              <a:t>Transforming users from Victims to Cyber-Defenders.</a:t>
+            </a:r>
+          </a:p>
+        </p:txBody>
+      </p:sp>
+    </p:spTree>
+  </p:cSld>
+  <p:clrMapOvr>
+    <a:masterClrMapping/>
+  </p:clrMapOvr>
+</p:sld>
+</file>
+
+<file path=ppt/slides/slide4.xml><?xml version="1.0" encoding="utf-8"?>
 <p:sld xmlns:p="http://schemas.openxmlformats.org/presentationml/2006/main" xmlns:a="http://schemas.openxmlformats.org/drawingml/2006/main" xmlns:r="http://schemas.openxmlformats.org/officeDocument/2006/relationships">
   <p:cSld>
     <p:bg>
@@ -3992,8 +4954,8 @@
         </p:nvSpPr>
         <p:spPr>
           <a:xfrm rot="0">
-            <a:off x="1028700" y="2389310"/>
-            <a:ext cx="10095847" cy="1749425"/>
+            <a:off x="4096076" y="2613907"/>
+            <a:ext cx="10095847" cy="962660"/>
           </a:xfrm>
           <a:prstGeom prst="rect">
             <a:avLst/>
@@ -4007,20 +4969,20 @@
           <a:p>
             <a:pPr algn="l" marL="0" indent="0" lvl="0">
               <a:lnSpc>
-                <a:spcPts val="7000"/>
+                <a:spcPts val="7839"/>
               </a:lnSpc>
             </a:pPr>
             <a:r>
-              <a:rPr lang="en-US" b="true" sz="5000">
+              <a:rPr lang="en-US" b="true" sz="5599">
                 <a:solidFill>
-                  <a:srgbClr val="000000"/>
+                  <a:srgbClr val="3D3B54"/>
                 </a:solidFill>
                 <a:latin typeface="Public Sans Bold"/>
                 <a:ea typeface="Public Sans Bold"/>
                 <a:cs typeface="Public Sans Bold"/>
                 <a:sym typeface="Public Sans Bold"/>
               </a:rPr>
-              <a:t>Key Features of CyberPulse: Empowering Users</a:t>
+              <a:t>Key Features of CyberPulse: </a:t>
             </a:r>
           </a:p>
         </p:txBody>
@@ -4033,8 +4995,8 @@
         </p:nvSpPr>
         <p:spPr>
           <a:xfrm rot="0">
-            <a:off x="1028700" y="5972830"/>
-            <a:ext cx="4259387" cy="891007"/>
+            <a:off x="12340981" y="5515857"/>
+            <a:ext cx="4259387" cy="1590143"/>
           </a:xfrm>
           <a:prstGeom prst="rect">
             <a:avLst/>
@@ -4048,13 +5010,13 @@
           <a:p>
             <a:pPr algn="l" marL="0" indent="0" lvl="0">
               <a:lnSpc>
-                <a:spcPts val="2339"/>
+                <a:spcPts val="3179"/>
               </a:lnSpc>
             </a:pPr>
             <a:r>
-              <a:rPr lang="en-US" b="true" sz="1670">
+              <a:rPr lang="en-US" b="true" sz="2270">
                 <a:solidFill>
-                  <a:srgbClr val="000000"/>
+                  <a:srgbClr val="3D3B54"/>
                 </a:solidFill>
                 <a:latin typeface="Public Sans Bold"/>
                 <a:ea typeface="Public Sans Bold"/>
@@ -4064,9 +5026,9 @@
               <a:t>WHOIS Analysis</a:t>
             </a:r>
             <a:r>
-              <a:rPr lang="en-US" sz="1670">
+              <a:rPr lang="en-US" sz="2270">
                 <a:solidFill>
-                  <a:srgbClr val="000000"/>
+                  <a:srgbClr val="3D3B54"/>
                 </a:solidFill>
                 <a:latin typeface="Public Sans"/>
                 <a:ea typeface="Public Sans"/>
@@ -4086,8 +5048,8 @@
         </p:nvSpPr>
         <p:spPr>
           <a:xfrm rot="0">
-            <a:off x="1028700" y="4811007"/>
-            <a:ext cx="4259387" cy="358775"/>
+            <a:off x="1169522" y="4801482"/>
+            <a:ext cx="4259387" cy="514351"/>
           </a:xfrm>
           <a:prstGeom prst="rect">
             <a:avLst/>
@@ -4101,13 +5063,13 @@
           <a:p>
             <a:pPr algn="l">
               <a:lnSpc>
-                <a:spcPts val="2800"/>
+                <a:spcPts val="4199"/>
               </a:lnSpc>
             </a:pPr>
             <a:r>
-              <a:rPr lang="en-US" b="true" sz="2000">
+              <a:rPr lang="en-US" b="true" sz="2999">
                 <a:solidFill>
-                  <a:srgbClr val="000000"/>
+                  <a:srgbClr val="FFFFFF"/>
                 </a:solidFill>
                 <a:latin typeface="Public Sans Bold"/>
                 <a:ea typeface="Public Sans Bold"/>
@@ -4127,8 +5089,8 @@
         </p:nvSpPr>
         <p:spPr>
           <a:xfrm rot="0">
-            <a:off x="6204434" y="5899170"/>
-            <a:ext cx="4259387" cy="891007"/>
+            <a:off x="1028700" y="5715882"/>
+            <a:ext cx="4259387" cy="1590143"/>
           </a:xfrm>
           <a:prstGeom prst="rect">
             <a:avLst/>
@@ -4142,13 +5104,13 @@
           <a:p>
             <a:pPr algn="l" marL="0" indent="0" lvl="0">
               <a:lnSpc>
-                <a:spcPts val="2339"/>
+                <a:spcPts val="3179"/>
               </a:lnSpc>
             </a:pPr>
             <a:r>
-              <a:rPr lang="en-US" b="true" sz="1670">
+              <a:rPr lang="en-US" b="true" sz="2270">
                 <a:solidFill>
-                  <a:srgbClr val="000000"/>
+                  <a:srgbClr val="3D3B54"/>
                 </a:solidFill>
                 <a:latin typeface="Public Sans Bold"/>
                 <a:ea typeface="Public Sans Bold"/>
@@ -4158,9 +5120,9 @@
               <a:t>Phishing Detection</a:t>
             </a:r>
             <a:r>
-              <a:rPr lang="en-US" sz="1670">
+              <a:rPr lang="en-US" sz="2270">
                 <a:solidFill>
-                  <a:srgbClr val="000000"/>
+                  <a:srgbClr val="3D3B54"/>
                 </a:solidFill>
                 <a:latin typeface="Public Sans"/>
                 <a:ea typeface="Public Sans"/>
@@ -4180,8 +5142,8 @@
         </p:nvSpPr>
         <p:spPr>
           <a:xfrm rot="0">
-            <a:off x="6204434" y="4811007"/>
-            <a:ext cx="4259387" cy="358775"/>
+            <a:off x="6600484" y="4791957"/>
+            <a:ext cx="4259387" cy="533400"/>
           </a:xfrm>
           <a:prstGeom prst="rect">
             <a:avLst/>
@@ -4195,16 +5157,16 @@
           <a:p>
             <a:pPr algn="l" marL="0" indent="0" lvl="1">
               <a:lnSpc>
-                <a:spcPts val="2800"/>
+                <a:spcPts val="4200"/>
               </a:lnSpc>
               <a:spcBef>
                 <a:spcPct val="0"/>
               </a:spcBef>
             </a:pPr>
             <a:r>
-              <a:rPr lang="en-US" b="true" sz="2000" strike="noStrike" u="none">
+              <a:rPr lang="en-US" b="true" sz="3000" strike="noStrike" u="none">
                 <a:solidFill>
-                  <a:srgbClr val="000000"/>
+                  <a:srgbClr val="FFFFFF"/>
                 </a:solidFill>
                 <a:latin typeface="Public Sans Bold"/>
                 <a:ea typeface="Public Sans Bold"/>
@@ -4224,8 +5186,8 @@
         </p:nvSpPr>
         <p:spPr>
           <a:xfrm rot="0">
-            <a:off x="11380167" y="5899170"/>
-            <a:ext cx="4259387" cy="891007"/>
+            <a:off x="6684841" y="5515857"/>
+            <a:ext cx="4259387" cy="1990193"/>
           </a:xfrm>
           <a:prstGeom prst="rect">
             <a:avLst/>
@@ -4239,13 +5201,13 @@
           <a:p>
             <a:pPr algn="l" marL="0" indent="0" lvl="0">
               <a:lnSpc>
-                <a:spcPts val="2339"/>
+                <a:spcPts val="3179"/>
               </a:lnSpc>
             </a:pPr>
             <a:r>
-              <a:rPr lang="en-US" b="true" sz="1670">
+              <a:rPr lang="en-US" b="true" sz="2270">
                 <a:solidFill>
-                  <a:srgbClr val="000000"/>
+                  <a:srgbClr val="3D3B54"/>
                 </a:solidFill>
                 <a:latin typeface="Public Sans Bold"/>
                 <a:ea typeface="Public Sans Bold"/>
@@ -4255,9 +5217,9 @@
               <a:t>Cyber Safety Quizzes</a:t>
             </a:r>
             <a:r>
-              <a:rPr lang="en-US" sz="1670">
+              <a:rPr lang="en-US" sz="2270">
                 <a:solidFill>
-                  <a:srgbClr val="000000"/>
+                  <a:srgbClr val="3D3B54"/>
                 </a:solidFill>
                 <a:latin typeface="Public Sans"/>
                 <a:ea typeface="Public Sans"/>
@@ -4277,8 +5239,8 @@
         </p:nvSpPr>
         <p:spPr>
           <a:xfrm rot="0">
-            <a:off x="11380167" y="4811007"/>
-            <a:ext cx="4259387" cy="358775"/>
+            <a:off x="12340981" y="4782432"/>
+            <a:ext cx="4259387" cy="533400"/>
           </a:xfrm>
           <a:prstGeom prst="rect">
             <a:avLst/>
@@ -4292,16 +5254,16 @@
           <a:p>
             <a:pPr algn="l" marL="0" indent="0" lvl="1">
               <a:lnSpc>
-                <a:spcPts val="2800"/>
+                <a:spcPts val="4200"/>
               </a:lnSpc>
               <a:spcBef>
                 <a:spcPct val="0"/>
               </a:spcBef>
             </a:pPr>
             <a:r>
-              <a:rPr lang="en-US" b="true" sz="2000" strike="noStrike" u="none">
+              <a:rPr lang="en-US" b="true" sz="3000" strike="noStrike" u="none">
                 <a:solidFill>
-                  <a:srgbClr val="000000"/>
+                  <a:srgbClr val="FFFFFF"/>
                 </a:solidFill>
                 <a:latin typeface="Public Sans Bold"/>
                 <a:ea typeface="Public Sans Bold"/>
@@ -4739,7 +5701,7 @@
 </p:sld>
 </file>
 
-<file path=ppt/slides/slide4.xml><?xml version="1.0" encoding="utf-8"?>
+<file path=ppt/slides/slide5.xml><?xml version="1.0" encoding="utf-8"?>
 <p:sld xmlns:p="http://schemas.openxmlformats.org/presentationml/2006/main" xmlns:a="http://schemas.openxmlformats.org/drawingml/2006/main" xmlns:r="http://schemas.openxmlformats.org/officeDocument/2006/relationships">
   <p:cSld>
     <p:bg>
@@ -5183,168 +6145,393 @@
           </a:blipFill>
         </p:spPr>
       </p:sp>
-      <p:grpSp>
-        <p:nvGrpSpPr>
-          <p:cNvPr name="Group 12" id="12"/>
-          <p:cNvGrpSpPr/>
+      <p:sp>
+        <p:nvSpPr>
+          <p:cNvPr name="TextBox 12" id="12"/>
+          <p:cNvSpPr txBox="true"/>
           <p:nvPr/>
-        </p:nvGrpSpPr>
-        <p:grpSpPr>
+        </p:nvSpPr>
+        <p:spPr>
           <a:xfrm rot="0">
-            <a:off x="8795238" y="1934015"/>
-            <a:ext cx="7965324" cy="6418970"/>
-            <a:chOff x="0" y="0"/>
-            <a:chExt cx="10620433" cy="8558627"/>
-          </a:xfrm>
-        </p:grpSpPr>
-        <p:sp>
-          <p:nvSpPr>
-            <p:cNvPr name="TextBox 13" id="13"/>
-            <p:cNvSpPr txBox="true"/>
-            <p:nvPr/>
-          </p:nvSpPr>
-          <p:spPr>
-            <a:xfrm rot="0">
-              <a:off x="0" y="-19050"/>
-              <a:ext cx="10620433" cy="3676650"/>
-            </a:xfrm>
-            <a:prstGeom prst="rect">
-              <a:avLst/>
-            </a:prstGeom>
-          </p:spPr>
-          <p:txBody>
-            <a:bodyPr anchor="t" rtlCol="false" tIns="0" lIns="0" bIns="0" rIns="0">
-              <a:spAutoFit/>
-            </a:bodyPr>
-            <a:lstStyle/>
-            <a:p>
-              <a:pPr algn="l" marL="0" indent="0" lvl="0">
-                <a:lnSpc>
-                  <a:spcPts val="7200"/>
-                </a:lnSpc>
-              </a:pPr>
-              <a:r>
-                <a:rPr lang="en-US" b="true" sz="6000">
-                  <a:solidFill>
-                    <a:srgbClr val="000000"/>
-                  </a:solidFill>
-                  <a:latin typeface="Public Sans Bold"/>
-                  <a:ea typeface="Public Sans Bold"/>
-                  <a:cs typeface="Public Sans Bold"/>
-                  <a:sym typeface="Public Sans Bold"/>
-                </a:rPr>
-                <a:t>Students Facing Cybersecurity Threats</a:t>
-              </a:r>
-            </a:p>
-          </p:txBody>
-        </p:sp>
-        <p:sp>
-          <p:nvSpPr>
-            <p:cNvPr name="TextBox 14" id="14"/>
-            <p:cNvSpPr txBox="true"/>
-            <p:nvPr/>
-          </p:nvSpPr>
-          <p:spPr>
-            <a:xfrm rot="0">
-              <a:off x="0" y="4133606"/>
-              <a:ext cx="10620433" cy="1456902"/>
-            </a:xfrm>
-            <a:prstGeom prst="rect">
-              <a:avLst/>
-            </a:prstGeom>
-          </p:spPr>
-          <p:txBody>
-            <a:bodyPr anchor="t" rtlCol="false" tIns="0" lIns="0" bIns="0" rIns="0">
-              <a:spAutoFit/>
-            </a:bodyPr>
-            <a:lstStyle/>
-            <a:p>
-              <a:pPr algn="l" marL="0" indent="0" lvl="0">
-                <a:lnSpc>
-                  <a:spcPts val="4480"/>
-                </a:lnSpc>
-              </a:pPr>
-              <a:r>
-                <a:rPr lang="en-US" sz="3200">
-                  <a:solidFill>
-                    <a:srgbClr val="000000"/>
-                  </a:solidFill>
-                  <a:latin typeface="Public Sans"/>
-                  <a:ea typeface="Public Sans"/>
-                  <a:cs typeface="Public Sans"/>
-                  <a:sym typeface="Public Sans"/>
-                </a:rPr>
-                <a:t>Empowering students to recognize online dangers</a:t>
-              </a:r>
-            </a:p>
-          </p:txBody>
-        </p:sp>
-        <p:sp>
-          <p:nvSpPr>
-            <p:cNvPr name="TextBox 15" id="15"/>
-            <p:cNvSpPr txBox="true"/>
-            <p:nvPr/>
-          </p:nvSpPr>
-          <p:spPr>
-            <a:xfrm rot="0">
-              <a:off x="0" y="6096097"/>
-              <a:ext cx="9456708" cy="2462530"/>
-            </a:xfrm>
-            <a:prstGeom prst="rect">
-              <a:avLst/>
-            </a:prstGeom>
-          </p:spPr>
-          <p:txBody>
-            <a:bodyPr anchor="t" rtlCol="false" tIns="0" lIns="0" bIns="0" rIns="0">
-              <a:spAutoFit/>
-            </a:bodyPr>
-            <a:lstStyle/>
-            <a:p>
-              <a:pPr algn="l" marL="0" indent="0" lvl="0">
-                <a:lnSpc>
-                  <a:spcPts val="2940"/>
-                </a:lnSpc>
-              </a:pPr>
-              <a:r>
-                <a:rPr lang="en-US" sz="2100">
-                  <a:solidFill>
-                    <a:srgbClr val="000000"/>
-                  </a:solidFill>
-                  <a:latin typeface="Public Sans"/>
-                  <a:ea typeface="Public Sans"/>
-                  <a:cs typeface="Public Sans"/>
-                  <a:sym typeface="Public Sans"/>
-                </a:rPr>
-                <a:t>As students increasingly rely on digital platforms, they become vulnerable to </a:t>
-              </a:r>
-              <a:r>
-                <a:rPr lang="en-US" b="true" sz="2100">
-                  <a:solidFill>
-                    <a:srgbClr val="000000"/>
-                  </a:solidFill>
-                  <a:latin typeface="Public Sans Bold"/>
-                  <a:ea typeface="Public Sans Bold"/>
-                  <a:cs typeface="Public Sans Bold"/>
-                  <a:sym typeface="Public Sans Bold"/>
-                </a:rPr>
-                <a:t>cyber scams</a:t>
-              </a:r>
-              <a:r>
-                <a:rPr lang="en-US" sz="2100">
-                  <a:solidFill>
-                    <a:srgbClr val="000000"/>
-                  </a:solidFill>
-                  <a:latin typeface="Public Sans"/>
-                  <a:ea typeface="Public Sans"/>
-                  <a:cs typeface="Public Sans"/>
-                  <a:sym typeface="Public Sans"/>
-                </a:rPr>
-                <a:t>. CyberPulse aims to educate and empower students, helping them identify threats and fostering a community that prioritizes online safety through shared knowledge and resources.</a:t>
-              </a:r>
-            </a:p>
-          </p:txBody>
-        </p:sp>
-      </p:grpSp>
+            <a:off x="8795238" y="7234750"/>
+            <a:ext cx="7092531" cy="375285"/>
+          </a:xfrm>
+          <a:prstGeom prst="rect">
+            <a:avLst/>
+          </a:prstGeom>
+        </p:spPr>
+        <p:txBody>
+          <a:bodyPr anchor="t" rtlCol="false" tIns="0" lIns="0" bIns="0" rIns="0">
+            <a:spAutoFit/>
+          </a:bodyPr>
+          <a:lstStyle/>
+          <a:p>
+            <a:pPr algn="l" marL="0" indent="0" lvl="0">
+              <a:lnSpc>
+                <a:spcPts val="2940"/>
+              </a:lnSpc>
+            </a:pPr>
+          </a:p>
+        </p:txBody>
+      </p:sp>
+      <p:sp>
+        <p:nvSpPr>
+          <p:cNvPr name="TextBox 13" id="13"/>
+          <p:cNvSpPr txBox="true"/>
+          <p:nvPr/>
+        </p:nvSpPr>
+        <p:spPr>
+          <a:xfrm rot="0">
+            <a:off x="4470873" y="712808"/>
+            <a:ext cx="8629055" cy="887095"/>
+          </a:xfrm>
+          <a:prstGeom prst="rect">
+            <a:avLst/>
+          </a:prstGeom>
+        </p:spPr>
+        <p:txBody>
+          <a:bodyPr anchor="t" rtlCol="false" tIns="0" lIns="0" bIns="0" rIns="0">
+            <a:spAutoFit/>
+          </a:bodyPr>
+          <a:lstStyle/>
+          <a:p>
+            <a:pPr algn="ctr">
+              <a:lnSpc>
+                <a:spcPts val="7279"/>
+              </a:lnSpc>
+            </a:pPr>
+            <a:r>
+              <a:rPr lang="en-US" b="true" sz="5199">
+                <a:solidFill>
+                  <a:srgbClr val="FFFFFF"/>
+                </a:solidFill>
+                <a:latin typeface="Canva Sans Bold"/>
+                <a:ea typeface="Canva Sans Bold"/>
+                <a:cs typeface="Canva Sans Bold"/>
+                <a:sym typeface="Canva Sans Bold"/>
+              </a:rPr>
+              <a:t>What inspired CyberPulse?</a:t>
+            </a:r>
+          </a:p>
+        </p:txBody>
+      </p:sp>
+      <p:sp>
+        <p:nvSpPr>
+          <p:cNvPr name="TextBox 14" id="14"/>
+          <p:cNvSpPr txBox="true"/>
+          <p:nvPr/>
+        </p:nvSpPr>
+        <p:spPr>
+          <a:xfrm rot="0">
+            <a:off x="4539304" y="1792606"/>
+            <a:ext cx="12974836" cy="815339"/>
+          </a:xfrm>
+          <a:prstGeom prst="rect">
+            <a:avLst/>
+          </a:prstGeom>
+        </p:spPr>
+        <p:txBody>
+          <a:bodyPr anchor="t" rtlCol="false" tIns="0" lIns="0" bIns="0" rIns="0">
+            <a:spAutoFit/>
+          </a:bodyPr>
+          <a:lstStyle/>
+          <a:p>
+            <a:pPr algn="ctr">
+              <a:lnSpc>
+                <a:spcPts val="3360"/>
+              </a:lnSpc>
+            </a:pPr>
+            <a:r>
+              <a:rPr lang="en-US" b="true" sz="2400">
+                <a:solidFill>
+                  <a:srgbClr val="3D3B54"/>
+                </a:solidFill>
+                <a:latin typeface="Canva Sans Bold"/>
+                <a:ea typeface="Canva Sans Bold"/>
+                <a:cs typeface="Canva Sans Bold"/>
+                <a:sym typeface="Canva Sans Bold"/>
+              </a:rPr>
+              <a:t>We saw frien</a:t>
+            </a:r>
+            <a:r>
+              <a:rPr lang="en-US" b="true" sz="2400">
+                <a:solidFill>
+                  <a:srgbClr val="3D3B54"/>
+                </a:solidFill>
+                <a:latin typeface="Canva Sans Bold"/>
+                <a:ea typeface="Canva Sans Bold"/>
+                <a:cs typeface="Canva Sans Bold"/>
+                <a:sym typeface="Canva Sans Bold"/>
+              </a:rPr>
+              <a:t>ds and classmates fall for bursary scams, fake job offers, and phishing links</a:t>
+            </a:r>
+          </a:p>
+          <a:p>
+            <a:pPr algn="ctr">
+              <a:lnSpc>
+                <a:spcPts val="3360"/>
+              </a:lnSpc>
+            </a:pPr>
+            <a:r>
+              <a:rPr lang="en-US" b="true" sz="2400">
+                <a:solidFill>
+                  <a:srgbClr val="3D3B54"/>
+                </a:solidFill>
+                <a:latin typeface="Canva Sans Bold"/>
+                <a:ea typeface="Canva Sans Bold"/>
+                <a:cs typeface="Canva Sans Bold"/>
+                <a:sym typeface="Canva Sans Bold"/>
+              </a:rPr>
+              <a:t> and we knew something had to change.</a:t>
+            </a:r>
+          </a:p>
+        </p:txBody>
+      </p:sp>
+      <p:sp>
+        <p:nvSpPr>
+          <p:cNvPr name="TextBox 15" id="15"/>
+          <p:cNvSpPr txBox="true"/>
+          <p:nvPr/>
+        </p:nvSpPr>
+        <p:spPr>
+          <a:xfrm rot="0">
+            <a:off x="9903807" y="3175386"/>
+            <a:ext cx="3338870" cy="887095"/>
+          </a:xfrm>
+          <a:prstGeom prst="rect">
+            <a:avLst/>
+          </a:prstGeom>
+        </p:spPr>
+        <p:txBody>
+          <a:bodyPr anchor="t" rtlCol="false" tIns="0" lIns="0" bIns="0" rIns="0">
+            <a:spAutoFit/>
+          </a:bodyPr>
+          <a:lstStyle/>
+          <a:p>
+            <a:pPr algn="ctr">
+              <a:lnSpc>
+                <a:spcPts val="7279"/>
+              </a:lnSpc>
+            </a:pPr>
+            <a:r>
+              <a:rPr lang="en-US" sz="5199" b="true">
+                <a:solidFill>
+                  <a:srgbClr val="FFFFFF"/>
+                </a:solidFill>
+                <a:latin typeface="Canva Sans Bold"/>
+                <a:ea typeface="Canva Sans Bold"/>
+                <a:cs typeface="Canva Sans Bold"/>
+                <a:sym typeface="Canva Sans Bold"/>
+              </a:rPr>
+              <a:t>Our Vision</a:t>
+            </a:r>
+          </a:p>
+        </p:txBody>
+      </p:sp>
+      <p:sp>
+        <p:nvSpPr>
+          <p:cNvPr name="TextBox 16" id="16"/>
+          <p:cNvSpPr txBox="true"/>
+          <p:nvPr/>
+        </p:nvSpPr>
+        <p:spPr>
+          <a:xfrm rot="0">
+            <a:off x="7099063" y="4024381"/>
+            <a:ext cx="10484882" cy="1234439"/>
+          </a:xfrm>
+          <a:prstGeom prst="rect">
+            <a:avLst/>
+          </a:prstGeom>
+        </p:spPr>
+        <p:txBody>
+          <a:bodyPr anchor="t" rtlCol="false" tIns="0" lIns="0" bIns="0" rIns="0">
+            <a:spAutoFit/>
+          </a:bodyPr>
+          <a:lstStyle/>
+          <a:p>
+            <a:pPr algn="ctr">
+              <a:lnSpc>
+                <a:spcPts val="3360"/>
+              </a:lnSpc>
+            </a:pPr>
+            <a:r>
+              <a:rPr lang="en-US" b="true" sz="2400">
+                <a:solidFill>
+                  <a:srgbClr val="3D3B54"/>
+                </a:solidFill>
+                <a:latin typeface="Canva Sans Bold"/>
+                <a:ea typeface="Canva Sans Bold"/>
+                <a:cs typeface="Canva Sans Bold"/>
+                <a:sym typeface="Canva Sans Bold"/>
+              </a:rPr>
+              <a:t>What start</a:t>
+            </a:r>
+            <a:r>
+              <a:rPr lang="en-US" b="true" sz="2400">
+                <a:solidFill>
+                  <a:srgbClr val="3D3B54"/>
+                </a:solidFill>
+                <a:latin typeface="Canva Sans Bold"/>
+                <a:ea typeface="Canva Sans Bold"/>
+                <a:cs typeface="Canva Sans Bold"/>
+                <a:sym typeface="Canva Sans Bold"/>
+              </a:rPr>
+              <a:t>s as a tool for students can scale to any novice internet user,</a:t>
+            </a:r>
+          </a:p>
+          <a:p>
+            <a:pPr algn="ctr">
+              <a:lnSpc>
+                <a:spcPts val="3360"/>
+              </a:lnSpc>
+            </a:pPr>
+            <a:r>
+              <a:rPr lang="en-US" b="true" sz="2400">
+                <a:solidFill>
+                  <a:srgbClr val="3D3B54"/>
+                </a:solidFill>
+                <a:latin typeface="Canva Sans Bold"/>
+                <a:ea typeface="Canva Sans Bold"/>
+                <a:cs typeface="Canva Sans Bold"/>
+                <a:sym typeface="Canva Sans Bold"/>
+              </a:rPr>
+              <a:t>empowering everyone to stay safe online, </a:t>
+            </a:r>
+          </a:p>
+          <a:p>
+            <a:pPr algn="ctr">
+              <a:lnSpc>
+                <a:spcPts val="3360"/>
+              </a:lnSpc>
+            </a:pPr>
+            <a:r>
+              <a:rPr lang="en-US" b="true" sz="2400">
+                <a:solidFill>
+                  <a:srgbClr val="3D3B54"/>
+                </a:solidFill>
+                <a:latin typeface="Canva Sans Bold"/>
+                <a:ea typeface="Canva Sans Bold"/>
+                <a:cs typeface="Canva Sans Bold"/>
+                <a:sym typeface="Canva Sans Bold"/>
+              </a:rPr>
+              <a:t>no matter their experience level.</a:t>
+            </a:r>
+          </a:p>
+        </p:txBody>
+      </p:sp>
+      <p:sp>
+        <p:nvSpPr>
+          <p:cNvPr name="TextBox 17" id="17"/>
+          <p:cNvSpPr txBox="true"/>
+          <p:nvPr/>
+        </p:nvSpPr>
+        <p:spPr>
+          <a:xfrm rot="0">
+            <a:off x="9216982" y="5784188"/>
+            <a:ext cx="5366028" cy="887095"/>
+          </a:xfrm>
+          <a:prstGeom prst="rect">
+            <a:avLst/>
+          </a:prstGeom>
+        </p:spPr>
+        <p:txBody>
+          <a:bodyPr anchor="t" rtlCol="false" tIns="0" lIns="0" bIns="0" rIns="0">
+            <a:spAutoFit/>
+          </a:bodyPr>
+          <a:lstStyle/>
+          <a:p>
+            <a:pPr algn="ctr">
+              <a:lnSpc>
+                <a:spcPts val="7279"/>
+              </a:lnSpc>
+            </a:pPr>
+            <a:r>
+              <a:rPr lang="en-US" sz="5199" b="true">
+                <a:solidFill>
+                  <a:srgbClr val="FFFFFF"/>
+                </a:solidFill>
+                <a:latin typeface="Canva Sans Bold"/>
+                <a:ea typeface="Canva Sans Bold"/>
+                <a:cs typeface="Canva Sans Bold"/>
+                <a:sym typeface="Canva Sans Bold"/>
+              </a:rPr>
+              <a:t>The Opportunity</a:t>
+            </a:r>
+          </a:p>
+        </p:txBody>
+      </p:sp>
+      <p:sp>
+        <p:nvSpPr>
+          <p:cNvPr name="TextBox 18" id="18"/>
+          <p:cNvSpPr txBox="true"/>
+          <p:nvPr/>
+        </p:nvSpPr>
+        <p:spPr>
+          <a:xfrm rot="0">
+            <a:off x="5628854" y="6932362"/>
+            <a:ext cx="12542282" cy="1234439"/>
+          </a:xfrm>
+          <a:prstGeom prst="rect">
+            <a:avLst/>
+          </a:prstGeom>
+        </p:spPr>
+        <p:txBody>
+          <a:bodyPr anchor="t" rtlCol="false" tIns="0" lIns="0" bIns="0" rIns="0">
+            <a:spAutoFit/>
+          </a:bodyPr>
+          <a:lstStyle/>
+          <a:p>
+            <a:pPr algn="ctr">
+              <a:lnSpc>
+                <a:spcPts val="3360"/>
+              </a:lnSpc>
+            </a:pPr>
+            <a:r>
+              <a:rPr lang="en-US" sz="2400" b="true">
+                <a:solidFill>
+                  <a:srgbClr val="3D3B54"/>
+                </a:solidFill>
+                <a:latin typeface="Canva Sans Bold"/>
+                <a:ea typeface="Canva Sans Bold"/>
+                <a:cs typeface="Canva Sans Bold"/>
+                <a:sym typeface="Canva Sans Bold"/>
+              </a:rPr>
+              <a:t>By</a:t>
+            </a:r>
+            <a:r>
+              <a:rPr lang="en-US" b="true" sz="2400">
+                <a:solidFill>
+                  <a:srgbClr val="3D3B54"/>
+                </a:solidFill>
+                <a:latin typeface="Canva Sans Bold"/>
+                <a:ea typeface="Canva Sans Bold"/>
+                <a:cs typeface="Canva Sans Bold"/>
+                <a:sym typeface="Canva Sans Bold"/>
+              </a:rPr>
+              <a:t> combining detection, education, and gamification, </a:t>
+            </a:r>
+          </a:p>
+          <a:p>
+            <a:pPr algn="ctr">
+              <a:lnSpc>
+                <a:spcPts val="3360"/>
+              </a:lnSpc>
+            </a:pPr>
+            <a:r>
+              <a:rPr lang="en-US" b="true" sz="2400">
+                <a:solidFill>
+                  <a:srgbClr val="3D3B54"/>
+                </a:solidFill>
+                <a:latin typeface="Canva Sans Bold"/>
+                <a:ea typeface="Canva Sans Bold"/>
+                <a:cs typeface="Canva Sans Bold"/>
+                <a:sym typeface="Canva Sans Bold"/>
+              </a:rPr>
+              <a:t>we can create a safer online community and reach users across universities, workplaces, and even households.</a:t>
+            </a:r>
+          </a:p>
+        </p:txBody>
+      </p:sp>
     </p:spTree>
   </p:cSld>
   <p:clrMapOvr>
@@ -5353,7 +6540,612 @@
 </p:sld>
 </file>
 
-<file path=ppt/slides/slide5.xml><?xml version="1.0" encoding="utf-8"?>
+<file path=ppt/slides/slide6.xml><?xml version="1.0" encoding="utf-8"?>
+<p:sld xmlns:p="http://schemas.openxmlformats.org/presentationml/2006/main" xmlns:a="http://schemas.openxmlformats.org/drawingml/2006/main" xmlns:r="http://schemas.openxmlformats.org/officeDocument/2006/relationships">
+  <p:cSld>
+    <p:bg>
+      <p:bgPr>
+        <a:solidFill>
+          <a:srgbClr val="B0C4D4"/>
+        </a:solidFill>
+      </p:bgPr>
+    </p:bg>
+    <p:spTree>
+      <p:nvGrpSpPr>
+        <p:cNvPr id="1" name=""/>
+        <p:cNvGrpSpPr/>
+        <p:nvPr/>
+      </p:nvGrpSpPr>
+      <p:grpSpPr>
+        <a:xfrm>
+          <a:off x="0" y="0"/>
+          <a:ext cx="0" cy="0"/>
+          <a:chOff x="0" y="0"/>
+          <a:chExt cx="0" cy="0"/>
+        </a:xfrm>
+      </p:grpSpPr>
+      <p:grpSp>
+        <p:nvGrpSpPr>
+          <p:cNvPr name="Group 2" id="2"/>
+          <p:cNvGrpSpPr/>
+          <p:nvPr/>
+        </p:nvGrpSpPr>
+        <p:grpSpPr>
+          <a:xfrm rot="0">
+            <a:off x="520296" y="520296"/>
+            <a:ext cx="17247408" cy="9246408"/>
+            <a:chOff x="0" y="0"/>
+            <a:chExt cx="4542527" cy="2435268"/>
+          </a:xfrm>
+        </p:grpSpPr>
+        <p:sp>
+          <p:nvSpPr>
+            <p:cNvPr name="Freeform 3" id="3"/>
+            <p:cNvSpPr/>
+            <p:nvPr/>
+          </p:nvSpPr>
+          <p:spPr>
+            <a:xfrm flipH="false" flipV="false" rot="0">
+              <a:off x="0" y="0"/>
+              <a:ext cx="4542527" cy="2435268"/>
+            </a:xfrm>
+            <a:custGeom>
+              <a:avLst/>
+              <a:gdLst/>
+              <a:ahLst/>
+              <a:cxnLst/>
+              <a:rect r="r" b="b" t="t" l="l"/>
+              <a:pathLst>
+                <a:path h="2435268" w="4542527">
+                  <a:moveTo>
+                    <a:pt x="0" y="0"/>
+                  </a:moveTo>
+                  <a:lnTo>
+                    <a:pt x="4542527" y="0"/>
+                  </a:lnTo>
+                  <a:lnTo>
+                    <a:pt x="4542527" y="2435268"/>
+                  </a:lnTo>
+                  <a:lnTo>
+                    <a:pt x="0" y="2435268"/>
+                  </a:lnTo>
+                  <a:close/>
+                </a:path>
+              </a:pathLst>
+            </a:custGeom>
+            <a:solidFill>
+              <a:srgbClr val="000000">
+                <a:alpha val="0"/>
+              </a:srgbClr>
+            </a:solidFill>
+            <a:ln w="38100" cap="sq">
+              <a:solidFill>
+                <a:srgbClr val="0E3B25"/>
+              </a:solidFill>
+              <a:prstDash val="solid"/>
+              <a:miter/>
+            </a:ln>
+          </p:spPr>
+        </p:sp>
+        <p:sp>
+          <p:nvSpPr>
+            <p:cNvPr name="TextBox 4" id="4"/>
+            <p:cNvSpPr txBox="true"/>
+            <p:nvPr/>
+          </p:nvSpPr>
+          <p:spPr>
+            <a:xfrm>
+              <a:off x="0" y="-57150"/>
+              <a:ext cx="4542527" cy="2492418"/>
+            </a:xfrm>
+            <a:prstGeom prst="rect">
+              <a:avLst/>
+            </a:prstGeom>
+          </p:spPr>
+          <p:txBody>
+            <a:bodyPr anchor="ctr" rtlCol="false" tIns="50800" lIns="50800" bIns="50800" rIns="50800"/>
+            <a:lstStyle/>
+            <a:p>
+              <a:pPr algn="ctr">
+                <a:lnSpc>
+                  <a:spcPts val="2940"/>
+                </a:lnSpc>
+              </a:pPr>
+            </a:p>
+          </p:txBody>
+        </p:sp>
+      </p:grpSp>
+      <p:sp>
+        <p:nvSpPr>
+          <p:cNvPr name="Freeform 5" id="5"/>
+          <p:cNvSpPr/>
+          <p:nvPr/>
+        </p:nvSpPr>
+        <p:spPr>
+          <a:xfrm flipH="false" flipV="false" rot="0">
+            <a:off x="12257605" y="9766704"/>
+            <a:ext cx="1040592" cy="1040592"/>
+          </a:xfrm>
+          <a:custGeom>
+            <a:avLst/>
+            <a:gdLst/>
+            <a:ahLst/>
+            <a:cxnLst/>
+            <a:rect r="r" b="b" t="t" l="l"/>
+            <a:pathLst>
+              <a:path h="1040592" w="1040592">
+                <a:moveTo>
+                  <a:pt x="0" y="0"/>
+                </a:moveTo>
+                <a:lnTo>
+                  <a:pt x="1040592" y="0"/>
+                </a:lnTo>
+                <a:lnTo>
+                  <a:pt x="1040592" y="1040592"/>
+                </a:lnTo>
+                <a:lnTo>
+                  <a:pt x="0" y="1040592"/>
+                </a:lnTo>
+                <a:lnTo>
+                  <a:pt x="0" y="0"/>
+                </a:lnTo>
+                <a:close/>
+              </a:path>
+            </a:pathLst>
+          </a:custGeom>
+          <a:blipFill>
+            <a:blip r:embed="rId2">
+              <a:extLst>
+                <a:ext uri="{96DAC541-7B7A-43D3-8B79-37D633B846F1}">
+                  <asvg:svgBlip xmlns:asvg="http://schemas.microsoft.com/office/drawing/2016/SVG/main" r:embed="rId3"/>
+                </a:ext>
+              </a:extLst>
+            </a:blip>
+            <a:stretch>
+              <a:fillRect l="0" t="0" r="0" b="0"/>
+            </a:stretch>
+          </a:blipFill>
+        </p:spPr>
+      </p:sp>
+      <p:sp>
+        <p:nvSpPr>
+          <p:cNvPr name="Freeform 6" id="6"/>
+          <p:cNvSpPr/>
+          <p:nvPr/>
+        </p:nvSpPr>
+        <p:spPr>
+          <a:xfrm flipH="false" flipV="false" rot="0">
+            <a:off x="2367359" y="-520296"/>
+            <a:ext cx="1040592" cy="1040592"/>
+          </a:xfrm>
+          <a:custGeom>
+            <a:avLst/>
+            <a:gdLst/>
+            <a:ahLst/>
+            <a:cxnLst/>
+            <a:rect r="r" b="b" t="t" l="l"/>
+            <a:pathLst>
+              <a:path h="1040592" w="1040592">
+                <a:moveTo>
+                  <a:pt x="0" y="0"/>
+                </a:moveTo>
+                <a:lnTo>
+                  <a:pt x="1040592" y="0"/>
+                </a:lnTo>
+                <a:lnTo>
+                  <a:pt x="1040592" y="1040592"/>
+                </a:lnTo>
+                <a:lnTo>
+                  <a:pt x="0" y="1040592"/>
+                </a:lnTo>
+                <a:lnTo>
+                  <a:pt x="0" y="0"/>
+                </a:lnTo>
+                <a:close/>
+              </a:path>
+            </a:pathLst>
+          </a:custGeom>
+          <a:blipFill>
+            <a:blip r:embed="rId2">
+              <a:extLst>
+                <a:ext uri="{96DAC541-7B7A-43D3-8B79-37D633B846F1}">
+                  <asvg:svgBlip xmlns:asvg="http://schemas.microsoft.com/office/drawing/2016/SVG/main" r:embed="rId3"/>
+                </a:ext>
+              </a:extLst>
+            </a:blip>
+            <a:stretch>
+              <a:fillRect l="0" t="0" r="0" b="0"/>
+            </a:stretch>
+          </a:blipFill>
+        </p:spPr>
+      </p:sp>
+      <p:sp>
+        <p:nvSpPr>
+          <p:cNvPr name="Freeform 7" id="7"/>
+          <p:cNvSpPr/>
+          <p:nvPr/>
+        </p:nvSpPr>
+        <p:spPr>
+          <a:xfrm flipH="false" flipV="false" rot="0">
+            <a:off x="17767704" y="1599903"/>
+            <a:ext cx="1040592" cy="1040592"/>
+          </a:xfrm>
+          <a:custGeom>
+            <a:avLst/>
+            <a:gdLst/>
+            <a:ahLst/>
+            <a:cxnLst/>
+            <a:rect r="r" b="b" t="t" l="l"/>
+            <a:pathLst>
+              <a:path h="1040592" w="1040592">
+                <a:moveTo>
+                  <a:pt x="0" y="0"/>
+                </a:moveTo>
+                <a:lnTo>
+                  <a:pt x="1040592" y="0"/>
+                </a:lnTo>
+                <a:lnTo>
+                  <a:pt x="1040592" y="1040592"/>
+                </a:lnTo>
+                <a:lnTo>
+                  <a:pt x="0" y="1040592"/>
+                </a:lnTo>
+                <a:lnTo>
+                  <a:pt x="0" y="0"/>
+                </a:lnTo>
+                <a:close/>
+              </a:path>
+            </a:pathLst>
+          </a:custGeom>
+          <a:blipFill>
+            <a:blip r:embed="rId2">
+              <a:extLst>
+                <a:ext uri="{96DAC541-7B7A-43D3-8B79-37D633B846F1}">
+                  <asvg:svgBlip xmlns:asvg="http://schemas.microsoft.com/office/drawing/2016/SVG/main" r:embed="rId3"/>
+                </a:ext>
+              </a:extLst>
+            </a:blip>
+            <a:stretch>
+              <a:fillRect l="0" t="0" r="0" b="0"/>
+            </a:stretch>
+          </a:blipFill>
+        </p:spPr>
+      </p:sp>
+      <p:sp>
+        <p:nvSpPr>
+          <p:cNvPr name="Freeform 8" id="8"/>
+          <p:cNvSpPr/>
+          <p:nvPr/>
+        </p:nvSpPr>
+        <p:spPr>
+          <a:xfrm flipH="false" flipV="false" rot="0">
+            <a:off x="4470873" y="7126209"/>
+            <a:ext cx="1040592" cy="1040592"/>
+          </a:xfrm>
+          <a:custGeom>
+            <a:avLst/>
+            <a:gdLst/>
+            <a:ahLst/>
+            <a:cxnLst/>
+            <a:rect r="r" b="b" t="t" l="l"/>
+            <a:pathLst>
+              <a:path h="1040592" w="1040592">
+                <a:moveTo>
+                  <a:pt x="0" y="0"/>
+                </a:moveTo>
+                <a:lnTo>
+                  <a:pt x="1040592" y="0"/>
+                </a:lnTo>
+                <a:lnTo>
+                  <a:pt x="1040592" y="1040592"/>
+                </a:lnTo>
+                <a:lnTo>
+                  <a:pt x="0" y="1040592"/>
+                </a:lnTo>
+                <a:lnTo>
+                  <a:pt x="0" y="0"/>
+                </a:lnTo>
+                <a:close/>
+              </a:path>
+            </a:pathLst>
+          </a:custGeom>
+          <a:blipFill>
+            <a:blip r:embed="rId2">
+              <a:extLst>
+                <a:ext uri="{96DAC541-7B7A-43D3-8B79-37D633B846F1}">
+                  <asvg:svgBlip xmlns:asvg="http://schemas.microsoft.com/office/drawing/2016/SVG/main" r:embed="rId3"/>
+                </a:ext>
+              </a:extLst>
+            </a:blip>
+            <a:stretch>
+              <a:fillRect l="0" t="0" r="0" b="0"/>
+            </a:stretch>
+          </a:blipFill>
+        </p:spPr>
+      </p:sp>
+      <p:sp>
+        <p:nvSpPr>
+          <p:cNvPr name="Freeform 9" id="9"/>
+          <p:cNvSpPr/>
+          <p:nvPr/>
+        </p:nvSpPr>
+        <p:spPr>
+          <a:xfrm flipH="false" flipV="false" rot="0">
+            <a:off x="1028700" y="4000169"/>
+            <a:ext cx="7820775" cy="5495133"/>
+          </a:xfrm>
+          <a:custGeom>
+            <a:avLst/>
+            <a:gdLst/>
+            <a:ahLst/>
+            <a:cxnLst/>
+            <a:rect r="r" b="b" t="t" l="l"/>
+            <a:pathLst>
+              <a:path h="5495133" w="7820775">
+                <a:moveTo>
+                  <a:pt x="0" y="0"/>
+                </a:moveTo>
+                <a:lnTo>
+                  <a:pt x="7820775" y="0"/>
+                </a:lnTo>
+                <a:lnTo>
+                  <a:pt x="7820775" y="5495133"/>
+                </a:lnTo>
+                <a:lnTo>
+                  <a:pt x="0" y="5495133"/>
+                </a:lnTo>
+                <a:lnTo>
+                  <a:pt x="0" y="0"/>
+                </a:lnTo>
+                <a:close/>
+              </a:path>
+            </a:pathLst>
+          </a:custGeom>
+          <a:blipFill>
+            <a:blip r:embed="rId4"/>
+            <a:stretch>
+              <a:fillRect l="-17915" t="0" r="-22272" b="0"/>
+            </a:stretch>
+          </a:blipFill>
+        </p:spPr>
+      </p:sp>
+      <p:sp>
+        <p:nvSpPr>
+          <p:cNvPr name="TextBox 10" id="10"/>
+          <p:cNvSpPr txBox="true"/>
+          <p:nvPr/>
+        </p:nvSpPr>
+        <p:spPr>
+          <a:xfrm rot="0">
+            <a:off x="1028700" y="633412"/>
+            <a:ext cx="16230600" cy="2095488"/>
+          </a:xfrm>
+          <a:prstGeom prst="rect">
+            <a:avLst/>
+          </a:prstGeom>
+        </p:spPr>
+        <p:txBody>
+          <a:bodyPr anchor="t" rtlCol="false" tIns="0" lIns="0" bIns="0" rIns="0">
+            <a:spAutoFit/>
+          </a:bodyPr>
+          <a:lstStyle/>
+          <a:p>
+            <a:pPr algn="ctr">
+              <a:lnSpc>
+                <a:spcPts val="8400"/>
+              </a:lnSpc>
+            </a:pPr>
+            <a:r>
+              <a:rPr lang="en-US" b="true" sz="6000">
+                <a:solidFill>
+                  <a:srgbClr val="FFFFFF"/>
+                </a:solidFill>
+                <a:latin typeface="Canva Sans Bold"/>
+                <a:ea typeface="Canva Sans Bold"/>
+                <a:cs typeface="Canva Sans Bold"/>
+                <a:sym typeface="Canva Sans Bold"/>
+              </a:rPr>
+              <a:t>Gamific</a:t>
+            </a:r>
+            <a:r>
+              <a:rPr lang="en-US" b="true" sz="6000">
+                <a:solidFill>
+                  <a:srgbClr val="FFFFFF"/>
+                </a:solidFill>
+                <a:latin typeface="Canva Sans Bold"/>
+                <a:ea typeface="Canva Sans Bold"/>
+                <a:cs typeface="Canva Sans Bold"/>
+                <a:sym typeface="Canva Sans Bold"/>
+              </a:rPr>
+              <a:t>ation &amp; Rewards: Making Cyber Safety Fun</a:t>
+            </a:r>
+          </a:p>
+        </p:txBody>
+      </p:sp>
+      <p:sp>
+        <p:nvSpPr>
+          <p:cNvPr name="TextBox 11" id="11"/>
+          <p:cNvSpPr txBox="true"/>
+          <p:nvPr/>
+        </p:nvSpPr>
+        <p:spPr>
+          <a:xfrm rot="0">
+            <a:off x="-157655" y="2786050"/>
+            <a:ext cx="18288000" cy="1099819"/>
+          </a:xfrm>
+          <a:prstGeom prst="rect">
+            <a:avLst/>
+          </a:prstGeom>
+        </p:spPr>
+        <p:txBody>
+          <a:bodyPr anchor="t" rtlCol="false" tIns="0" lIns="0" bIns="0" rIns="0">
+            <a:spAutoFit/>
+          </a:bodyPr>
+          <a:lstStyle/>
+          <a:p>
+            <a:pPr algn="ctr">
+              <a:lnSpc>
+                <a:spcPts val="4480"/>
+              </a:lnSpc>
+            </a:pPr>
+            <a:r>
+              <a:rPr lang="en-US" b="true" sz="3200">
+                <a:solidFill>
+                  <a:srgbClr val="3D3B54"/>
+                </a:solidFill>
+                <a:latin typeface="Canva Sans Bold"/>
+                <a:ea typeface="Canva Sans Bold"/>
+                <a:cs typeface="Canva Sans Bold"/>
+                <a:sym typeface="Canva Sans Bold"/>
+              </a:rPr>
+              <a:t> CyberPulse turns cybersecurity awareness into a challenge to beat, not a chore to complete.</a:t>
+            </a:r>
+          </a:p>
+        </p:txBody>
+      </p:sp>
+      <p:sp>
+        <p:nvSpPr>
+          <p:cNvPr name="TextBox 12" id="12"/>
+          <p:cNvSpPr txBox="true"/>
+          <p:nvPr/>
+        </p:nvSpPr>
+        <p:spPr>
+          <a:xfrm rot="0">
+            <a:off x="8986345" y="4811625"/>
+            <a:ext cx="8623704" cy="4548495"/>
+          </a:xfrm>
+          <a:prstGeom prst="rect">
+            <a:avLst/>
+          </a:prstGeom>
+        </p:spPr>
+        <p:txBody>
+          <a:bodyPr anchor="t" rtlCol="false" tIns="0" lIns="0" bIns="0" rIns="0">
+            <a:spAutoFit/>
+          </a:bodyPr>
+          <a:lstStyle/>
+          <a:p>
+            <a:pPr algn="ctr" marL="928452" indent="-464226" lvl="1">
+              <a:lnSpc>
+                <a:spcPts val="6020"/>
+              </a:lnSpc>
+              <a:buFont typeface="Arial"/>
+              <a:buChar char="•"/>
+            </a:pPr>
+            <a:r>
+              <a:rPr lang="en-US" b="true" sz="4300">
+                <a:solidFill>
+                  <a:srgbClr val="3D3B54"/>
+                </a:solidFill>
+                <a:latin typeface="Canva Sans Bold"/>
+                <a:ea typeface="Canva Sans Bold"/>
+                <a:cs typeface="Canva Sans Bold"/>
+                <a:sym typeface="Canva Sans Bold"/>
+              </a:rPr>
+              <a:t>Earn Points </a:t>
+            </a:r>
+          </a:p>
+          <a:p>
+            <a:pPr algn="ctr" marL="928452" indent="-464226" lvl="1">
+              <a:lnSpc>
+                <a:spcPts val="6020"/>
+              </a:lnSpc>
+              <a:buFont typeface="Arial"/>
+              <a:buChar char="•"/>
+            </a:pPr>
+            <a:r>
+              <a:rPr lang="en-US" b="true" sz="4300">
+                <a:solidFill>
+                  <a:srgbClr val="3D3B54"/>
+                </a:solidFill>
+                <a:latin typeface="Canva Sans Bold"/>
+                <a:ea typeface="Canva Sans Bold"/>
+                <a:cs typeface="Canva Sans Bold"/>
+                <a:sym typeface="Canva Sans Bold"/>
+              </a:rPr>
+              <a:t>Unlock Badges </a:t>
+            </a:r>
+          </a:p>
+          <a:p>
+            <a:pPr algn="ctr" marL="928452" indent="-464226" lvl="1">
+              <a:lnSpc>
+                <a:spcPts val="6020"/>
+              </a:lnSpc>
+              <a:buFont typeface="Arial"/>
+              <a:buChar char="•"/>
+            </a:pPr>
+            <a:r>
+              <a:rPr lang="en-US" b="true" sz="4300">
+                <a:solidFill>
+                  <a:srgbClr val="3D3B54"/>
+                </a:solidFill>
+                <a:latin typeface="Canva Sans Bold"/>
+                <a:ea typeface="Canva Sans Bold"/>
+                <a:cs typeface="Canva Sans Bold"/>
+                <a:sym typeface="Canva Sans Bold"/>
+              </a:rPr>
+              <a:t>Track Streaks</a:t>
+            </a:r>
+          </a:p>
+          <a:p>
+            <a:pPr algn="ctr" marL="928452" indent="-464226" lvl="1">
+              <a:lnSpc>
+                <a:spcPts val="6020"/>
+              </a:lnSpc>
+              <a:buFont typeface="Arial"/>
+              <a:buChar char="•"/>
+            </a:pPr>
+            <a:r>
+              <a:rPr lang="en-US" b="true" sz="4300">
+                <a:solidFill>
+                  <a:srgbClr val="3D3B54"/>
+                </a:solidFill>
+                <a:latin typeface="Canva Sans Bold"/>
+                <a:ea typeface="Canva Sans Bold"/>
+                <a:cs typeface="Canva Sans Bold"/>
+                <a:sym typeface="Canva Sans Bold"/>
+              </a:rPr>
+              <a:t>Climb the Leaderboard</a:t>
+            </a:r>
+          </a:p>
+          <a:p>
+            <a:pPr algn="ctr" marL="928452" indent="-464226" lvl="1">
+              <a:lnSpc>
+                <a:spcPts val="6020"/>
+              </a:lnSpc>
+              <a:buFont typeface="Arial"/>
+              <a:buChar char="•"/>
+            </a:pPr>
+            <a:r>
+              <a:rPr lang="en-US" b="true" sz="4300">
+                <a:solidFill>
+                  <a:srgbClr val="3D3B54"/>
+                </a:solidFill>
+                <a:latin typeface="Canva Sans Bold"/>
+                <a:ea typeface="Canva Sans Bold"/>
+                <a:cs typeface="Canva Sans Bold"/>
+                <a:sym typeface="Canva Sans Bold"/>
+              </a:rPr>
+              <a:t>Join the community </a:t>
+            </a:r>
+          </a:p>
+          <a:p>
+            <a:pPr algn="ctr">
+              <a:lnSpc>
+                <a:spcPts val="6020"/>
+              </a:lnSpc>
+            </a:pPr>
+          </a:p>
+        </p:txBody>
+      </p:sp>
+    </p:spTree>
+  </p:cSld>
+  <p:clrMapOvr>
+    <a:masterClrMapping/>
+  </p:clrMapOvr>
+</p:sld>
+</file>
+
+<file path=ppt/slides/slide7.xml><?xml version="1.0" encoding="utf-8"?>
 <p:sld xmlns:p="http://schemas.openxmlformats.org/presentationml/2006/main" xmlns:a="http://schemas.openxmlformats.org/drawingml/2006/main" xmlns:r="http://schemas.openxmlformats.org/officeDocument/2006/relationships">
   <p:cSld>
     <p:bg>
@@ -5476,8 +7268,8 @@
         </p:nvSpPr>
         <p:spPr>
           <a:xfrm rot="0">
-            <a:off x="1028700" y="2389310"/>
-            <a:ext cx="10095847" cy="1749425"/>
+            <a:off x="2084770" y="1954992"/>
+            <a:ext cx="14118459" cy="1012191"/>
           </a:xfrm>
           <a:prstGeom prst="rect">
             <a:avLst/>
@@ -5491,13 +7283,13 @@
           <a:p>
             <a:pPr algn="l" marL="0" indent="0" lvl="0">
               <a:lnSpc>
-                <a:spcPts val="7000"/>
+                <a:spcPts val="8259"/>
               </a:lnSpc>
             </a:pPr>
             <a:r>
-              <a:rPr lang="en-US" b="true" sz="5000">
+              <a:rPr lang="en-US" b="true" sz="5899">
                 <a:solidFill>
-                  <a:srgbClr val="000000"/>
+                  <a:srgbClr val="FFFFFF"/>
                 </a:solidFill>
                 <a:latin typeface="Public Sans Bold"/>
                 <a:ea typeface="Public Sans Bold"/>
@@ -5517,10 +7309,10 @@
         </p:nvGrpSpPr>
         <p:grpSpPr>
           <a:xfrm rot="0">
-            <a:off x="1028700" y="4868305"/>
-            <a:ext cx="3097700" cy="2217722"/>
+            <a:off x="1027799" y="3763995"/>
+            <a:ext cx="3097700" cy="5183913"/>
             <a:chOff x="0" y="0"/>
-            <a:chExt cx="4130267" cy="2956963"/>
+            <a:chExt cx="4130267" cy="6911884"/>
           </a:xfrm>
         </p:grpSpPr>
         <p:sp>
@@ -5531,8 +7323,8 @@
           </p:nvSpPr>
           <p:spPr>
             <a:xfrm rot="0">
-              <a:off x="0" y="1498297"/>
-              <a:ext cx="4130267" cy="1458666"/>
+              <a:off x="0" y="1708482"/>
+              <a:ext cx="4130267" cy="5203402"/>
             </a:xfrm>
             <a:prstGeom prst="rect">
               <a:avLst/>
@@ -5546,13 +7338,13 @@
             <a:p>
               <a:pPr algn="l" marL="0" indent="0" lvl="0">
                 <a:lnSpc>
-                  <a:spcPts val="2175"/>
+                  <a:spcPts val="4480"/>
                 </a:lnSpc>
               </a:pPr>
               <a:r>
-                <a:rPr lang="en-US" b="true" sz="1554">
+                <a:rPr lang="en-US" b="true" sz="3200">
                   <a:solidFill>
-                    <a:srgbClr val="000000"/>
+                    <a:srgbClr val="3D3B54"/>
                   </a:solidFill>
                   <a:latin typeface="Public Sans Bold"/>
                   <a:ea typeface="Public Sans Bold"/>
@@ -5562,9 +7354,9 @@
                 <a:t>IMEI Tracking</a:t>
               </a:r>
               <a:r>
-                <a:rPr lang="en-US" sz="1554">
+                <a:rPr lang="en-US" sz="3200">
                   <a:solidFill>
-                    <a:srgbClr val="000000"/>
+                    <a:srgbClr val="3D3B54"/>
                   </a:solidFill>
                   <a:latin typeface="Public Sans"/>
                   <a:ea typeface="Public Sans"/>
@@ -5584,8 +7376,8 @@
           </p:nvSpPr>
           <p:spPr>
             <a:xfrm rot="0">
-              <a:off x="0" y="-57150"/>
-              <a:ext cx="661143" cy="459317"/>
+              <a:off x="0" y="-66675"/>
+              <a:ext cx="661143" cy="707602"/>
             </a:xfrm>
             <a:prstGeom prst="rect">
               <a:avLst/>
@@ -5599,14 +7391,14 @@
             <a:p>
               <a:pPr algn="l" marL="0" indent="0" lvl="1">
                 <a:lnSpc>
-                  <a:spcPts val="2800"/>
+                  <a:spcPts val="4480"/>
                 </a:lnSpc>
                 <a:spcBef>
                   <a:spcPct val="0"/>
                 </a:spcBef>
               </a:pPr>
               <a:r>
-                <a:rPr lang="en-US" b="true" sz="2000" strike="noStrike" u="none">
+                <a:rPr lang="en-US" b="true" sz="3200" strike="noStrike" u="none">
                   <a:solidFill>
                     <a:srgbClr val="000000"/>
                   </a:solidFill>
@@ -5629,10 +7421,10 @@
         </p:nvGrpSpPr>
         <p:grpSpPr>
           <a:xfrm rot="0">
-            <a:off x="5278024" y="4868305"/>
-            <a:ext cx="3097700" cy="1941497"/>
+            <a:off x="4940896" y="3722316"/>
+            <a:ext cx="3441740" cy="4621938"/>
             <a:chOff x="0" y="0"/>
-            <a:chExt cx="4130267" cy="2588663"/>
+            <a:chExt cx="4588986" cy="6162584"/>
           </a:xfrm>
         </p:grpSpPr>
         <p:sp>
@@ -5643,8 +7435,8 @@
           </p:nvSpPr>
           <p:spPr>
             <a:xfrm rot="0">
-              <a:off x="0" y="1498297"/>
-              <a:ext cx="4130267" cy="1090366"/>
+              <a:off x="0" y="1708482"/>
+              <a:ext cx="4588986" cy="4454102"/>
             </a:xfrm>
             <a:prstGeom prst="rect">
               <a:avLst/>
@@ -5658,13 +7450,13 @@
             <a:p>
               <a:pPr algn="l" marL="0" indent="0" lvl="0">
                 <a:lnSpc>
-                  <a:spcPts val="2175"/>
+                  <a:spcPts val="4480"/>
                 </a:lnSpc>
               </a:pPr>
               <a:r>
-                <a:rPr lang="en-US" b="true" sz="1554">
+                <a:rPr lang="en-US" b="true" sz="3200">
                   <a:solidFill>
-                    <a:srgbClr val="000000"/>
+                    <a:srgbClr val="3D3B54"/>
                   </a:solidFill>
                   <a:latin typeface="Public Sans Bold"/>
                   <a:ea typeface="Public Sans Bold"/>
@@ -5674,9 +7466,9 @@
                 <a:t>Group Accounts</a:t>
               </a:r>
               <a:r>
-                <a:rPr lang="en-US" sz="1554">
+                <a:rPr lang="en-US" sz="3200">
                   <a:solidFill>
-                    <a:srgbClr val="000000"/>
+                    <a:srgbClr val="3D3B54"/>
                   </a:solidFill>
                   <a:latin typeface="Public Sans"/>
                   <a:ea typeface="Public Sans"/>
@@ -5696,8 +7488,8 @@
           </p:nvSpPr>
           <p:spPr>
             <a:xfrm rot="0">
-              <a:off x="0" y="-57150"/>
-              <a:ext cx="661143" cy="459317"/>
+              <a:off x="0" y="-66675"/>
+              <a:ext cx="734571" cy="707602"/>
             </a:xfrm>
             <a:prstGeom prst="rect">
               <a:avLst/>
@@ -5711,14 +7503,14 @@
             <a:p>
               <a:pPr algn="l" marL="0" indent="0" lvl="1">
                 <a:lnSpc>
-                  <a:spcPts val="2800"/>
+                  <a:spcPts val="4480"/>
                 </a:lnSpc>
                 <a:spcBef>
                   <a:spcPct val="0"/>
                 </a:spcBef>
               </a:pPr>
               <a:r>
-                <a:rPr lang="en-US" b="true" sz="2000" strike="noStrike" u="none">
+                <a:rPr lang="en-US" b="true" sz="3200" strike="noStrike" u="none">
                   <a:solidFill>
                     <a:srgbClr val="000000"/>
                   </a:solidFill>
@@ -5741,10 +7533,10 @@
         </p:nvGrpSpPr>
         <p:grpSpPr>
           <a:xfrm rot="0">
-            <a:off x="9527348" y="4868305"/>
-            <a:ext cx="3097700" cy="2217722"/>
+            <a:off x="9006563" y="3722316"/>
+            <a:ext cx="3725572" cy="4621938"/>
             <a:chOff x="0" y="0"/>
-            <a:chExt cx="4130267" cy="2956963"/>
+            <a:chExt cx="4967430" cy="6162584"/>
           </a:xfrm>
         </p:grpSpPr>
         <p:sp>
@@ -5755,8 +7547,8 @@
           </p:nvSpPr>
           <p:spPr>
             <a:xfrm rot="0">
-              <a:off x="0" y="1498297"/>
-              <a:ext cx="4130267" cy="1458666"/>
+              <a:off x="0" y="1708482"/>
+              <a:ext cx="4967430" cy="4454102"/>
             </a:xfrm>
             <a:prstGeom prst="rect">
               <a:avLst/>
@@ -5770,13 +7562,13 @@
             <a:p>
               <a:pPr algn="l" marL="0" indent="0" lvl="0">
                 <a:lnSpc>
-                  <a:spcPts val="2175"/>
+                  <a:spcPts val="4480"/>
                 </a:lnSpc>
               </a:pPr>
               <a:r>
-                <a:rPr lang="en-US" b="true" sz="1554">
+                <a:rPr lang="en-US" b="true" sz="3200">
                   <a:solidFill>
-                    <a:srgbClr val="000000"/>
+                    <a:srgbClr val="3D3B54"/>
                   </a:solidFill>
                   <a:latin typeface="Public Sans Bold"/>
                   <a:ea typeface="Public Sans Bold"/>
@@ -5786,9 +7578,9 @@
                 <a:t>Enhanced Phishing Tools</a:t>
               </a:r>
               <a:r>
-                <a:rPr lang="en-US" sz="1554">
+                <a:rPr lang="en-US" sz="3200">
                   <a:solidFill>
-                    <a:srgbClr val="000000"/>
+                    <a:srgbClr val="3D3B54"/>
                   </a:solidFill>
                   <a:latin typeface="Public Sans"/>
                   <a:ea typeface="Public Sans"/>
@@ -5808,8 +7600,8 @@
           </p:nvSpPr>
           <p:spPr>
             <a:xfrm rot="0">
-              <a:off x="0" y="-57150"/>
-              <a:ext cx="661143" cy="459317"/>
+              <a:off x="0" y="-66675"/>
+              <a:ext cx="795150" cy="707602"/>
             </a:xfrm>
             <a:prstGeom prst="rect">
               <a:avLst/>
@@ -5823,14 +7615,14 @@
             <a:p>
               <a:pPr algn="l" marL="0" indent="0" lvl="1">
                 <a:lnSpc>
-                  <a:spcPts val="2800"/>
+                  <a:spcPts val="4480"/>
                 </a:lnSpc>
                 <a:spcBef>
                   <a:spcPct val="0"/>
                 </a:spcBef>
               </a:pPr>
               <a:r>
-                <a:rPr lang="en-US" b="true" sz="2000" strike="noStrike" u="none">
+                <a:rPr lang="en-US" b="true" sz="3200" strike="noStrike" u="none">
                   <a:solidFill>
                     <a:srgbClr val="000000"/>
                   </a:solidFill>
@@ -5853,10 +7645,10 @@
         </p:nvGrpSpPr>
         <p:grpSpPr>
           <a:xfrm rot="0">
-            <a:off x="13776672" y="4868305"/>
-            <a:ext cx="3097700" cy="2217722"/>
+            <a:off x="13356063" y="3763995"/>
+            <a:ext cx="4288605" cy="5183913"/>
             <a:chOff x="0" y="0"/>
-            <a:chExt cx="4130267" cy="2956963"/>
+            <a:chExt cx="5718140" cy="6911884"/>
           </a:xfrm>
         </p:grpSpPr>
         <p:sp>
@@ -5867,8 +7659,8 @@
           </p:nvSpPr>
           <p:spPr>
             <a:xfrm rot="0">
-              <a:off x="0" y="1498297"/>
-              <a:ext cx="4130267" cy="1458666"/>
+              <a:off x="0" y="1708482"/>
+              <a:ext cx="5718140" cy="5203402"/>
             </a:xfrm>
             <a:prstGeom prst="rect">
               <a:avLst/>
@@ -5882,13 +7674,25 @@
             <a:p>
               <a:pPr algn="l" marL="0" indent="0" lvl="0">
                 <a:lnSpc>
-                  <a:spcPts val="2175"/>
+                  <a:spcPts val="4480"/>
                 </a:lnSpc>
               </a:pPr>
               <a:r>
-                <a:rPr lang="en-US" b="true" sz="1554">
+                <a:rPr lang="en-US" b="true" sz="3200">
                   <a:solidFill>
-                    <a:srgbClr val="000000"/>
+                    <a:srgbClr val="3D3B54"/>
+                  </a:solidFill>
+                  <a:latin typeface="Public Sans Bold"/>
+                  <a:ea typeface="Public Sans Bold"/>
+                  <a:cs typeface="Public Sans Bold"/>
+                  <a:sym typeface="Public Sans Bold"/>
+                </a:rPr>
+                <a:t>Increase in </a:t>
+              </a:r>
+              <a:r>
+                <a:rPr lang="en-US" b="true" sz="3200">
+                  <a:solidFill>
+                    <a:srgbClr val="3D3B54"/>
                   </a:solidFill>
                   <a:latin typeface="Public Sans Bold"/>
                   <a:ea typeface="Public Sans Bold"/>
@@ -5898,9 +7702,9 @@
                 <a:t>Community Involvement</a:t>
               </a:r>
               <a:r>
-                <a:rPr lang="en-US" sz="1554">
+                <a:rPr lang="en-US" sz="3200">
                   <a:solidFill>
-                    <a:srgbClr val="000000"/>
+                    <a:srgbClr val="3D3B54"/>
                   </a:solidFill>
                   <a:latin typeface="Public Sans"/>
                   <a:ea typeface="Public Sans"/>
@@ -5920,8 +7724,8 @@
           </p:nvSpPr>
           <p:spPr>
             <a:xfrm rot="0">
-              <a:off x="0" y="-57150"/>
-              <a:ext cx="661143" cy="459317"/>
+              <a:off x="0" y="-66675"/>
+              <a:ext cx="915318" cy="707602"/>
             </a:xfrm>
             <a:prstGeom prst="rect">
               <a:avLst/>
@@ -5935,14 +7739,14 @@
             <a:p>
               <a:pPr algn="l" marL="0" indent="0" lvl="1">
                 <a:lnSpc>
-                  <a:spcPts val="2800"/>
+                  <a:spcPts val="4480"/>
                 </a:lnSpc>
                 <a:spcBef>
                   <a:spcPct val="0"/>
                 </a:spcBef>
               </a:pPr>
               <a:r>
-                <a:rPr lang="en-US" b="true" sz="2000" strike="noStrike" u="none">
+                <a:rPr lang="en-US" b="true" sz="3200" strike="noStrike" u="none">
                   <a:solidFill>
                     <a:srgbClr val="000000"/>
                   </a:solidFill>
@@ -6383,7 +8187,7 @@
 </p:sld>
 </file>
 
-<file path=ppt/slides/slide6.xml><?xml version="1.0" encoding="utf-8"?>
+<file path=ppt/slides/slide8.xml><?xml version="1.0" encoding="utf-8"?>
 <p:sld xmlns:p="http://schemas.openxmlformats.org/presentationml/2006/main" xmlns:a="http://schemas.openxmlformats.org/drawingml/2006/main" xmlns:r="http://schemas.openxmlformats.org/officeDocument/2006/relationships">
   <p:cSld>
     <p:bg>
@@ -6507,9 +8311,9 @@
         <p:grpSpPr>
           <a:xfrm rot="0">
             <a:off x="724014" y="2893678"/>
-            <a:ext cx="7805962" cy="2352391"/>
+            <a:ext cx="7805962" cy="2357977"/>
             <a:chOff x="0" y="0"/>
-            <a:chExt cx="10407949" cy="3136521"/>
+            <a:chExt cx="10407949" cy="3143969"/>
           </a:xfrm>
         </p:grpSpPr>
         <p:grpSp>
@@ -6590,7 +8394,7 @@
           <p:spPr>
             <a:xfrm rot="0">
               <a:off x="3626284" y="658667"/>
-              <a:ext cx="6781665" cy="657225"/>
+              <a:ext cx="6781665" cy="733425"/>
             </a:xfrm>
             <a:prstGeom prst="rect">
               <a:avLst/>
@@ -6604,16 +8408,16 @@
             <a:p>
               <a:pPr algn="l" marL="0" indent="0" lvl="0">
                 <a:lnSpc>
-                  <a:spcPts val="3840"/>
+                  <a:spcPts val="4319"/>
                 </a:lnSpc>
                 <a:spcBef>
                   <a:spcPct val="0"/>
                 </a:spcBef>
               </a:pPr>
               <a:r>
-                <a:rPr lang="en-US" b="true" sz="3200">
+                <a:rPr lang="en-US" b="true" sz="3599">
                   <a:solidFill>
-                    <a:srgbClr val="000000"/>
+                    <a:srgbClr val="FFFFFF"/>
                   </a:solidFill>
                   <a:latin typeface="Public Sans Bold"/>
                   <a:ea typeface="Public Sans Bold"/>
@@ -6634,7 +8438,7 @@
           <p:spPr>
             <a:xfrm rot="0">
               <a:off x="3626284" y="1491699"/>
-              <a:ext cx="6781665" cy="1471930"/>
+              <a:ext cx="6781665" cy="1652270"/>
             </a:xfrm>
             <a:prstGeom prst="rect">
               <a:avLst/>
@@ -6648,21 +8452,21 @@
             <a:p>
               <a:pPr algn="l" marL="0" indent="0" lvl="0">
                 <a:lnSpc>
-                  <a:spcPts val="2940"/>
+                  <a:spcPts val="3359"/>
                 </a:lnSpc>
                 <a:spcBef>
                   <a:spcPct val="0"/>
                 </a:spcBef>
               </a:pPr>
               <a:r>
-                <a:rPr lang="en-US" sz="2100" u="none">
+                <a:rPr lang="en-US" b="true" sz="2400" u="none">
                   <a:solidFill>
-                    <a:srgbClr val="000000"/>
+                    <a:srgbClr val="3D3B54"/>
                   </a:solidFill>
-                  <a:latin typeface="Public Sans"/>
-                  <a:ea typeface="Public Sans"/>
-                  <a:cs typeface="Public Sans"/>
-                  <a:sym typeface="Public Sans"/>
+                  <a:latin typeface="Public Sans Bold"/>
+                  <a:ea typeface="Public Sans Bold"/>
+                  <a:cs typeface="Public Sans Bold"/>
+                  <a:sym typeface="Public Sans Bold"/>
                 </a:rPr>
                 <a:t>Lead Developer focused on creating secure and user-friendly features for CyberPulse.</a:t>
               </a:r>
@@ -6679,9 +8483,9 @@
         <p:grpSpPr>
           <a:xfrm rot="0">
             <a:off x="9453338" y="2791109"/>
-            <a:ext cx="7805962" cy="2352391"/>
+            <a:ext cx="7805962" cy="2777077"/>
             <a:chOff x="0" y="0"/>
-            <a:chExt cx="10407949" cy="3136521"/>
+            <a:chExt cx="10407949" cy="3702769"/>
           </a:xfrm>
         </p:grpSpPr>
         <p:grpSp>
@@ -6762,7 +8566,7 @@
           <p:spPr>
             <a:xfrm rot="0">
               <a:off x="3626284" y="658667"/>
-              <a:ext cx="6781665" cy="657225"/>
+              <a:ext cx="6781665" cy="733425"/>
             </a:xfrm>
             <a:prstGeom prst="rect">
               <a:avLst/>
@@ -6776,23 +8580,23 @@
             <a:p>
               <a:pPr algn="l" marL="0" indent="0" lvl="0">
                 <a:lnSpc>
-                  <a:spcPts val="3840"/>
+                  <a:spcPts val="4320"/>
                 </a:lnSpc>
                 <a:spcBef>
                   <a:spcPct val="0"/>
                 </a:spcBef>
               </a:pPr>
               <a:r>
-                <a:rPr lang="en-US" b="true" sz="3200">
+                <a:rPr lang="en-US" b="true" sz="3600">
                   <a:solidFill>
-                    <a:srgbClr val="000000"/>
+                    <a:srgbClr val="FFFFFF"/>
                   </a:solidFill>
                   <a:latin typeface="Public Sans Bold"/>
                   <a:ea typeface="Public Sans Bold"/>
                   <a:cs typeface="Public Sans Bold"/>
                   <a:sym typeface="Public Sans Bold"/>
                 </a:rPr>
-                <a:t>Vane</a:t>
+                <a:t>Vane’</a:t>
               </a:r>
             </a:p>
           </p:txBody>
@@ -6806,7 +8610,7 @@
           <p:spPr>
             <a:xfrm rot="0">
               <a:off x="3626284" y="1491699"/>
-              <a:ext cx="6781665" cy="1471930"/>
+              <a:ext cx="6781665" cy="2211070"/>
             </a:xfrm>
             <a:prstGeom prst="rect">
               <a:avLst/>
@@ -6820,21 +8624,21 @@
             <a:p>
               <a:pPr algn="l" marL="0" indent="0" lvl="0">
                 <a:lnSpc>
-                  <a:spcPts val="2940"/>
+                  <a:spcPts val="3359"/>
                 </a:lnSpc>
                 <a:spcBef>
                   <a:spcPct val="0"/>
                 </a:spcBef>
               </a:pPr>
               <a:r>
-                <a:rPr lang="en-US" sz="2100" u="none">
+                <a:rPr lang="en-US" b="true" sz="2400" u="none">
                   <a:solidFill>
-                    <a:srgbClr val="000000"/>
+                    <a:srgbClr val="3D3B54"/>
                   </a:solidFill>
-                  <a:latin typeface="Public Sans"/>
-                  <a:ea typeface="Public Sans"/>
-                  <a:cs typeface="Public Sans"/>
-                  <a:sym typeface="Public Sans"/>
+                  <a:latin typeface="Public Sans Bold"/>
+                  <a:ea typeface="Public Sans Bold"/>
+                  <a:cs typeface="Public Sans Bold"/>
+                  <a:sym typeface="Public Sans Bold"/>
                 </a:rPr>
                 <a:t>UI/UX Designer dedicated to enhancing user experience and interface for seamless interactions.</a:t>
               </a:r>
@@ -6851,9 +8655,9 @@
         <p:grpSpPr>
           <a:xfrm rot="0">
             <a:off x="8818238" y="6503144"/>
-            <a:ext cx="7805962" cy="2352391"/>
+            <a:ext cx="7805962" cy="2357977"/>
             <a:chOff x="0" y="0"/>
-            <a:chExt cx="10407949" cy="3136521"/>
+            <a:chExt cx="10407949" cy="3143969"/>
           </a:xfrm>
         </p:grpSpPr>
         <p:grpSp>
@@ -6934,7 +8738,7 @@
           <p:spPr>
             <a:xfrm rot="0">
               <a:off x="3626284" y="658667"/>
-              <a:ext cx="6781665" cy="657225"/>
+              <a:ext cx="6781665" cy="733425"/>
             </a:xfrm>
             <a:prstGeom prst="rect">
               <a:avLst/>
@@ -6948,16 +8752,16 @@
             <a:p>
               <a:pPr algn="l" marL="0" indent="0" lvl="0">
                 <a:lnSpc>
-                  <a:spcPts val="3840"/>
+                  <a:spcPts val="4320"/>
                 </a:lnSpc>
                 <a:spcBef>
                   <a:spcPct val="0"/>
                 </a:spcBef>
               </a:pPr>
               <a:r>
-                <a:rPr lang="en-US" b="true" sz="3200">
+                <a:rPr lang="en-US" b="true" sz="3600">
                   <a:solidFill>
-                    <a:srgbClr val="000000"/>
+                    <a:srgbClr val="FFFFFF"/>
                   </a:solidFill>
                   <a:latin typeface="Public Sans Bold"/>
                   <a:ea typeface="Public Sans Bold"/>
@@ -6978,7 +8782,7 @@
           <p:spPr>
             <a:xfrm rot="0">
               <a:off x="3626284" y="1491699"/>
-              <a:ext cx="6781665" cy="1471930"/>
+              <a:ext cx="6781665" cy="1652270"/>
             </a:xfrm>
             <a:prstGeom prst="rect">
               <a:avLst/>
@@ -6992,21 +8796,21 @@
             <a:p>
               <a:pPr algn="l" marL="0" indent="0" lvl="0">
                 <a:lnSpc>
-                  <a:spcPts val="2940"/>
+                  <a:spcPts val="3359"/>
                 </a:lnSpc>
                 <a:spcBef>
                   <a:spcPct val="0"/>
                 </a:spcBef>
               </a:pPr>
               <a:r>
-                <a:rPr lang="en-US" sz="2100" u="none">
+                <a:rPr lang="en-US" b="true" sz="2400" u="none">
                   <a:solidFill>
-                    <a:srgbClr val="000000"/>
+                    <a:srgbClr val="3D3B54"/>
                   </a:solidFill>
-                  <a:latin typeface="Public Sans"/>
-                  <a:ea typeface="Public Sans"/>
-                  <a:cs typeface="Public Sans"/>
-                  <a:sym typeface="Public Sans"/>
+                  <a:latin typeface="Public Sans Bold"/>
+                  <a:ea typeface="Public Sans Bold"/>
+                  <a:cs typeface="Public Sans Bold"/>
+                  <a:sym typeface="Public Sans Bold"/>
                 </a:rPr>
                 <a:t>Community Outreach specialist working to educate users and foster a safer online environment.</a:t>
               </a:r>
@@ -7284,9 +9088,9 @@
         <p:grpSpPr>
           <a:xfrm rot="0">
             <a:off x="724014" y="6503144"/>
-            <a:ext cx="7805962" cy="2352391"/>
+            <a:ext cx="7805962" cy="2777077"/>
             <a:chOff x="0" y="0"/>
-            <a:chExt cx="10407949" cy="3136521"/>
+            <a:chExt cx="10407949" cy="3702769"/>
           </a:xfrm>
         </p:grpSpPr>
         <p:grpSp>
@@ -7367,7 +9171,7 @@
           <p:spPr>
             <a:xfrm rot="0">
               <a:off x="3626284" y="658667"/>
-              <a:ext cx="6781665" cy="657225"/>
+              <a:ext cx="6781665" cy="733425"/>
             </a:xfrm>
             <a:prstGeom prst="rect">
               <a:avLst/>
@@ -7381,16 +9185,16 @@
             <a:p>
               <a:pPr algn="l" marL="0" indent="0" lvl="0">
                 <a:lnSpc>
-                  <a:spcPts val="3840"/>
+                  <a:spcPts val="4320"/>
                 </a:lnSpc>
                 <a:spcBef>
                   <a:spcPct val="0"/>
                 </a:spcBef>
               </a:pPr>
               <a:r>
-                <a:rPr lang="en-US" b="true" sz="3200">
+                <a:rPr lang="en-US" b="true" sz="3600">
                   <a:solidFill>
-                    <a:srgbClr val="000000"/>
+                    <a:srgbClr val="FFFFFF"/>
                   </a:solidFill>
                   <a:latin typeface="Public Sans Bold"/>
                   <a:ea typeface="Public Sans Bold"/>
@@ -7411,7 +9215,7 @@
           <p:spPr>
             <a:xfrm rot="0">
               <a:off x="3626284" y="1491699"/>
-              <a:ext cx="6781665" cy="1471930"/>
+              <a:ext cx="6781665" cy="2211070"/>
             </a:xfrm>
             <a:prstGeom prst="rect">
               <a:avLst/>
@@ -7425,33 +9229,33 @@
             <a:p>
               <a:pPr algn="l" marL="0" indent="0" lvl="0">
                 <a:lnSpc>
-                  <a:spcPts val="2940"/>
+                  <a:spcPts val="3359"/>
                 </a:lnSpc>
                 <a:spcBef>
                   <a:spcPct val="0"/>
                 </a:spcBef>
               </a:pPr>
               <a:r>
-                <a:rPr lang="en-US" sz="2100">
+                <a:rPr lang="en-US" b="true" sz="2400">
                   <a:solidFill>
-                    <a:srgbClr val="000000"/>
+                    <a:srgbClr val="3D3B54"/>
                   </a:solidFill>
-                  <a:latin typeface="Public Sans"/>
-                  <a:ea typeface="Public Sans"/>
-                  <a:cs typeface="Public Sans"/>
-                  <a:sym typeface="Public Sans"/>
+                  <a:latin typeface="Public Sans Bold"/>
+                  <a:ea typeface="Public Sans Bold"/>
+                  <a:cs typeface="Public Sans Bold"/>
+                  <a:sym typeface="Public Sans Bold"/>
                 </a:rPr>
                 <a:t>I</a:t>
               </a:r>
               <a:r>
-                <a:rPr lang="en-US" sz="2100">
+                <a:rPr lang="en-US" b="true" sz="2400">
                   <a:solidFill>
-                    <a:srgbClr val="000000"/>
+                    <a:srgbClr val="3D3B54"/>
                   </a:solidFill>
-                  <a:latin typeface="Public Sans"/>
-                  <a:ea typeface="Public Sans"/>
-                  <a:cs typeface="Public Sans"/>
-                  <a:sym typeface="Public Sans"/>
+                  <a:latin typeface="Public Sans Bold"/>
+                  <a:ea typeface="Public Sans Bold"/>
+                  <a:cs typeface="Public Sans Bold"/>
+                  <a:sym typeface="Public Sans Bold"/>
                 </a:rPr>
                 <a:t>ntegration engineer responsible for ensuring the seamless connectivity of the application components.</a:t>
               </a:r>
@@ -7468,7 +9272,7 @@
         <p:spPr>
           <a:xfrm rot="0">
             <a:off x="5564985" y="909409"/>
-            <a:ext cx="5929981" cy="1743075"/>
+            <a:ext cx="9476231" cy="876300"/>
           </a:xfrm>
           <a:prstGeom prst="rect">
             <a:avLst/>
@@ -7491,7 +9295,7 @@
             <a:r>
               <a:rPr lang="en-US" b="true" sz="5714">
                 <a:solidFill>
-                  <a:srgbClr val="000000"/>
+                  <a:srgbClr val="FFFFFF"/>
                 </a:solidFill>
                 <a:latin typeface="Public Sans Bold"/>
                 <a:ea typeface="Public Sans Bold"/>
@@ -7511,7 +9315,7 @@
 </p:sld>
 </file>
 
-<file path=ppt/slides/slide7.xml><?xml version="1.0" encoding="utf-8"?>
+<file path=ppt/slides/slide9.xml><?xml version="1.0" encoding="utf-8"?>
 <p:sld xmlns:p="http://schemas.openxmlformats.org/presentationml/2006/main" xmlns:a="http://schemas.openxmlformats.org/drawingml/2006/main" xmlns:r="http://schemas.openxmlformats.org/officeDocument/2006/relationships">
   <p:cSld>
     <p:bg>
@@ -8089,486 +9893,6 @@
         <p:sp>
           <p:nvSpPr>
             <p:cNvPr name="TextBox 14" id="14"/>
-            <p:cNvSpPr txBox="true"/>
-            <p:nvPr/>
-          </p:nvSpPr>
-          <p:spPr>
-            <a:xfrm>
-              <a:off x="0" y="-57150"/>
-              <a:ext cx="4542527" cy="2492418"/>
-            </a:xfrm>
-            <a:prstGeom prst="rect">
-              <a:avLst/>
-            </a:prstGeom>
-          </p:spPr>
-          <p:txBody>
-            <a:bodyPr anchor="ctr" rtlCol="false" tIns="50800" lIns="50800" bIns="50800" rIns="50800"/>
-            <a:lstStyle/>
-            <a:p>
-              <a:pPr algn="ctr">
-                <a:lnSpc>
-                  <a:spcPts val="2940"/>
-                </a:lnSpc>
-              </a:pPr>
-            </a:p>
-          </p:txBody>
-        </p:sp>
-      </p:grpSp>
-    </p:spTree>
-  </p:cSld>
-  <p:clrMapOvr>
-    <a:masterClrMapping/>
-  </p:clrMapOvr>
-</p:sld>
-</file>
-
-<file path=ppt/slides/slide8.xml><?xml version="1.0" encoding="utf-8"?>
-<p:sld xmlns:p="http://schemas.openxmlformats.org/presentationml/2006/main" xmlns:a="http://schemas.openxmlformats.org/drawingml/2006/main" xmlns:r="http://schemas.openxmlformats.org/officeDocument/2006/relationships">
-  <p:cSld>
-    <p:bg>
-      <p:bgPr>
-        <a:solidFill>
-          <a:srgbClr val="EDF1F3"/>
-        </a:solidFill>
-      </p:bgPr>
-    </p:bg>
-    <p:spTree>
-      <p:nvGrpSpPr>
-        <p:cNvPr id="1" name=""/>
-        <p:cNvGrpSpPr/>
-        <p:nvPr/>
-      </p:nvGrpSpPr>
-      <p:grpSpPr>
-        <a:xfrm>
-          <a:off x="0" y="0"/>
-          <a:ext cx="0" cy="0"/>
-          <a:chOff x="0" y="0"/>
-          <a:chExt cx="0" cy="0"/>
-        </a:xfrm>
-      </p:grpSpPr>
-      <p:sp>
-        <p:nvSpPr>
-          <p:cNvPr name="Freeform 2" id="2"/>
-          <p:cNvSpPr/>
-          <p:nvPr/>
-        </p:nvSpPr>
-        <p:spPr>
-          <a:xfrm flipH="false" flipV="false" rot="0">
-            <a:off x="12979885" y="0"/>
-            <a:ext cx="5781358" cy="12668315"/>
-          </a:xfrm>
-          <a:custGeom>
-            <a:avLst/>
-            <a:gdLst/>
-            <a:ahLst/>
-            <a:cxnLst/>
-            <a:rect r="r" b="b" t="t" l="l"/>
-            <a:pathLst>
-              <a:path h="12668315" w="5781358">
-                <a:moveTo>
-                  <a:pt x="0" y="0"/>
-                </a:moveTo>
-                <a:lnTo>
-                  <a:pt x="5781359" y="0"/>
-                </a:lnTo>
-                <a:lnTo>
-                  <a:pt x="5781359" y="12668315"/>
-                </a:lnTo>
-                <a:lnTo>
-                  <a:pt x="0" y="12668315"/>
-                </a:lnTo>
-                <a:lnTo>
-                  <a:pt x="0" y="0"/>
-                </a:lnTo>
-                <a:close/>
-              </a:path>
-            </a:pathLst>
-          </a:custGeom>
-          <a:blipFill>
-            <a:blip r:embed="rId2">
-              <a:extLst>
-                <a:ext uri="{96DAC541-7B7A-43D3-8B79-37D633B846F1}">
-                  <asvg:svgBlip xmlns:asvg="http://schemas.microsoft.com/office/drawing/2016/SVG/main" r:embed="rId3"/>
-                </a:ext>
-              </a:extLst>
-            </a:blip>
-            <a:stretch>
-              <a:fillRect l="0" t="0" r="0" b="0"/>
-            </a:stretch>
-          </a:blipFill>
-        </p:spPr>
-      </p:sp>
-      <p:grpSp>
-        <p:nvGrpSpPr>
-          <p:cNvPr name="Group 3" id="3"/>
-          <p:cNvGrpSpPr/>
-          <p:nvPr/>
-        </p:nvGrpSpPr>
-        <p:grpSpPr>
-          <a:xfrm rot="0">
-            <a:off x="2743200" y="3589472"/>
-            <a:ext cx="6992364" cy="3108056"/>
-            <a:chOff x="0" y="0"/>
-            <a:chExt cx="9323152" cy="4144075"/>
-          </a:xfrm>
-        </p:grpSpPr>
-        <p:sp>
-          <p:nvSpPr>
-            <p:cNvPr name="TextBox 4" id="4"/>
-            <p:cNvSpPr txBox="true"/>
-            <p:nvPr/>
-          </p:nvSpPr>
-          <p:spPr>
-            <a:xfrm rot="0">
-              <a:off x="0" y="-19050"/>
-              <a:ext cx="9323152" cy="2457450"/>
-            </a:xfrm>
-            <a:prstGeom prst="rect">
-              <a:avLst/>
-            </a:prstGeom>
-          </p:spPr>
-          <p:txBody>
-            <a:bodyPr anchor="t" rtlCol="false" tIns="0" lIns="0" bIns="0" rIns="0">
-              <a:spAutoFit/>
-            </a:bodyPr>
-            <a:lstStyle/>
-            <a:p>
-              <a:pPr algn="l" marL="0" indent="0" lvl="0">
-                <a:lnSpc>
-                  <a:spcPts val="7200"/>
-                </a:lnSpc>
-              </a:pPr>
-              <a:r>
-                <a:rPr lang="en-US" b="true" sz="6000">
-                  <a:solidFill>
-                    <a:srgbClr val="000000"/>
-                  </a:solidFill>
-                  <a:latin typeface="Public Sans Bold"/>
-                  <a:ea typeface="Public Sans Bold"/>
-                  <a:cs typeface="Public Sans Bold"/>
-                  <a:sym typeface="Public Sans Bold"/>
-                </a:rPr>
-                <a:t>Join us for a CyberPulse Q&amp;A!</a:t>
-              </a:r>
-            </a:p>
-          </p:txBody>
-        </p:sp>
-        <p:sp>
-          <p:nvSpPr>
-            <p:cNvPr name="TextBox 5" id="5"/>
-            <p:cNvSpPr txBox="true"/>
-            <p:nvPr/>
-          </p:nvSpPr>
-          <p:spPr>
-            <a:xfrm rot="0">
-              <a:off x="0" y="2946253"/>
-              <a:ext cx="9323152" cy="1197822"/>
-            </a:xfrm>
-            <a:prstGeom prst="rect">
-              <a:avLst/>
-            </a:prstGeom>
-          </p:spPr>
-          <p:txBody>
-            <a:bodyPr anchor="t" rtlCol="false" tIns="0" lIns="0" bIns="0" rIns="0">
-              <a:spAutoFit/>
-            </a:bodyPr>
-            <a:lstStyle/>
-            <a:p>
-              <a:pPr algn="l" marL="0" indent="0" lvl="0">
-                <a:lnSpc>
-                  <a:spcPts val="3640"/>
-                </a:lnSpc>
-              </a:pPr>
-              <a:r>
-                <a:rPr lang="en-US" sz="2600">
-                  <a:solidFill>
-                    <a:srgbClr val="000000"/>
-                  </a:solidFill>
-                  <a:latin typeface="Public Sans"/>
-                  <a:ea typeface="Public Sans"/>
-                  <a:cs typeface="Public Sans"/>
-                  <a:sym typeface="Public Sans"/>
-                </a:rPr>
-                <a:t>We’d love your insights—let's empower our community together!</a:t>
-              </a:r>
-            </a:p>
-          </p:txBody>
-        </p:sp>
-      </p:grpSp>
-      <p:sp>
-        <p:nvSpPr>
-          <p:cNvPr name="Freeform 6" id="6"/>
-          <p:cNvSpPr/>
-          <p:nvPr/>
-        </p:nvSpPr>
-        <p:spPr>
-          <a:xfrm flipH="false" flipV="false" rot="0">
-            <a:off x="11849863" y="3796993"/>
-            <a:ext cx="1040592" cy="1040592"/>
-          </a:xfrm>
-          <a:custGeom>
-            <a:avLst/>
-            <a:gdLst/>
-            <a:ahLst/>
-            <a:cxnLst/>
-            <a:rect r="r" b="b" t="t" l="l"/>
-            <a:pathLst>
-              <a:path h="1040592" w="1040592">
-                <a:moveTo>
-                  <a:pt x="0" y="0"/>
-                </a:moveTo>
-                <a:lnTo>
-                  <a:pt x="1040592" y="0"/>
-                </a:lnTo>
-                <a:lnTo>
-                  <a:pt x="1040592" y="1040592"/>
-                </a:lnTo>
-                <a:lnTo>
-                  <a:pt x="0" y="1040592"/>
-                </a:lnTo>
-                <a:lnTo>
-                  <a:pt x="0" y="0"/>
-                </a:lnTo>
-                <a:close/>
-              </a:path>
-            </a:pathLst>
-          </a:custGeom>
-          <a:blipFill>
-            <a:blip r:embed="rId4">
-              <a:extLst>
-                <a:ext uri="{96DAC541-7B7A-43D3-8B79-37D633B846F1}">
-                  <asvg:svgBlip xmlns:asvg="http://schemas.microsoft.com/office/drawing/2016/SVG/main" r:embed="rId5"/>
-                </a:ext>
-              </a:extLst>
-            </a:blip>
-            <a:stretch>
-              <a:fillRect l="0" t="0" r="0" b="0"/>
-            </a:stretch>
-          </a:blipFill>
-        </p:spPr>
-      </p:sp>
-      <p:sp>
-        <p:nvSpPr>
-          <p:cNvPr name="Freeform 7" id="7"/>
-          <p:cNvSpPr/>
-          <p:nvPr/>
-        </p:nvSpPr>
-        <p:spPr>
-          <a:xfrm flipH="false" flipV="false" rot="0">
-            <a:off x="-520296" y="4623204"/>
-            <a:ext cx="1040592" cy="1040592"/>
-          </a:xfrm>
-          <a:custGeom>
-            <a:avLst/>
-            <a:gdLst/>
-            <a:ahLst/>
-            <a:cxnLst/>
-            <a:rect r="r" b="b" t="t" l="l"/>
-            <a:pathLst>
-              <a:path h="1040592" w="1040592">
-                <a:moveTo>
-                  <a:pt x="0" y="0"/>
-                </a:moveTo>
-                <a:lnTo>
-                  <a:pt x="1040592" y="0"/>
-                </a:lnTo>
-                <a:lnTo>
-                  <a:pt x="1040592" y="1040592"/>
-                </a:lnTo>
-                <a:lnTo>
-                  <a:pt x="0" y="1040592"/>
-                </a:lnTo>
-                <a:lnTo>
-                  <a:pt x="0" y="0"/>
-                </a:lnTo>
-                <a:close/>
-              </a:path>
-            </a:pathLst>
-          </a:custGeom>
-          <a:blipFill>
-            <a:blip r:embed="rId4">
-              <a:extLst>
-                <a:ext uri="{96DAC541-7B7A-43D3-8B79-37D633B846F1}">
-                  <asvg:svgBlip xmlns:asvg="http://schemas.microsoft.com/office/drawing/2016/SVG/main" r:embed="rId5"/>
-                </a:ext>
-              </a:extLst>
-            </a:blip>
-            <a:stretch>
-              <a:fillRect l="0" t="0" r="0" b="0"/>
-            </a:stretch>
-          </a:blipFill>
-        </p:spPr>
-      </p:sp>
-      <p:sp>
-        <p:nvSpPr>
-          <p:cNvPr name="Freeform 8" id="8"/>
-          <p:cNvSpPr/>
-          <p:nvPr/>
-        </p:nvSpPr>
-        <p:spPr>
-          <a:xfrm flipH="false" flipV="false" rot="0">
-            <a:off x="12735829" y="2549028"/>
-            <a:ext cx="1040592" cy="1040592"/>
-          </a:xfrm>
-          <a:custGeom>
-            <a:avLst/>
-            <a:gdLst/>
-            <a:ahLst/>
-            <a:cxnLst/>
-            <a:rect r="r" b="b" t="t" l="l"/>
-            <a:pathLst>
-              <a:path h="1040592" w="1040592">
-                <a:moveTo>
-                  <a:pt x="0" y="0"/>
-                </a:moveTo>
-                <a:lnTo>
-                  <a:pt x="1040592" y="0"/>
-                </a:lnTo>
-                <a:lnTo>
-                  <a:pt x="1040592" y="1040593"/>
-                </a:lnTo>
-                <a:lnTo>
-                  <a:pt x="0" y="1040593"/>
-                </a:lnTo>
-                <a:lnTo>
-                  <a:pt x="0" y="0"/>
-                </a:lnTo>
-                <a:close/>
-              </a:path>
-            </a:pathLst>
-          </a:custGeom>
-          <a:blipFill>
-            <a:blip r:embed="rId4">
-              <a:extLst>
-                <a:ext uri="{96DAC541-7B7A-43D3-8B79-37D633B846F1}">
-                  <asvg:svgBlip xmlns:asvg="http://schemas.microsoft.com/office/drawing/2016/SVG/main" r:embed="rId5"/>
-                </a:ext>
-              </a:extLst>
-            </a:blip>
-            <a:stretch>
-              <a:fillRect l="0" t="0" r="0" b="0"/>
-            </a:stretch>
-          </a:blipFill>
-        </p:spPr>
-      </p:sp>
-      <p:sp>
-        <p:nvSpPr>
-          <p:cNvPr name="Freeform 9" id="9"/>
-          <p:cNvSpPr/>
-          <p:nvPr/>
-        </p:nvSpPr>
-        <p:spPr>
-          <a:xfrm flipH="false" flipV="false" rot="0">
-            <a:off x="8103408" y="9528509"/>
-            <a:ext cx="1040592" cy="1040592"/>
-          </a:xfrm>
-          <a:custGeom>
-            <a:avLst/>
-            <a:gdLst/>
-            <a:ahLst/>
-            <a:cxnLst/>
-            <a:rect r="r" b="b" t="t" l="l"/>
-            <a:pathLst>
-              <a:path h="1040592" w="1040592">
-                <a:moveTo>
-                  <a:pt x="0" y="0"/>
-                </a:moveTo>
-                <a:lnTo>
-                  <a:pt x="1040592" y="0"/>
-                </a:lnTo>
-                <a:lnTo>
-                  <a:pt x="1040592" y="1040592"/>
-                </a:lnTo>
-                <a:lnTo>
-                  <a:pt x="0" y="1040592"/>
-                </a:lnTo>
-                <a:lnTo>
-                  <a:pt x="0" y="0"/>
-                </a:lnTo>
-                <a:close/>
-              </a:path>
-            </a:pathLst>
-          </a:custGeom>
-          <a:blipFill>
-            <a:blip r:embed="rId4">
-              <a:extLst>
-                <a:ext uri="{96DAC541-7B7A-43D3-8B79-37D633B846F1}">
-                  <asvg:svgBlip xmlns:asvg="http://schemas.microsoft.com/office/drawing/2016/SVG/main" r:embed="rId5"/>
-                </a:ext>
-              </a:extLst>
-            </a:blip>
-            <a:stretch>
-              <a:fillRect l="0" t="0" r="0" b="0"/>
-            </a:stretch>
-          </a:blipFill>
-        </p:spPr>
-      </p:sp>
-      <p:grpSp>
-        <p:nvGrpSpPr>
-          <p:cNvPr name="Group 10" id="10"/>
-          <p:cNvGrpSpPr/>
-          <p:nvPr/>
-        </p:nvGrpSpPr>
-        <p:grpSpPr>
-          <a:xfrm rot="0">
-            <a:off x="520296" y="520296"/>
-            <a:ext cx="17247408" cy="9246408"/>
-            <a:chOff x="0" y="0"/>
-            <a:chExt cx="4542527" cy="2435268"/>
-          </a:xfrm>
-        </p:grpSpPr>
-        <p:sp>
-          <p:nvSpPr>
-            <p:cNvPr name="Freeform 11" id="11"/>
-            <p:cNvSpPr/>
-            <p:nvPr/>
-          </p:nvSpPr>
-          <p:spPr>
-            <a:xfrm flipH="false" flipV="false" rot="0">
-              <a:off x="0" y="0"/>
-              <a:ext cx="4542527" cy="2435268"/>
-            </a:xfrm>
-            <a:custGeom>
-              <a:avLst/>
-              <a:gdLst/>
-              <a:ahLst/>
-              <a:cxnLst/>
-              <a:rect r="r" b="b" t="t" l="l"/>
-              <a:pathLst>
-                <a:path h="2435268" w="4542527">
-                  <a:moveTo>
-                    <a:pt x="0" y="0"/>
-                  </a:moveTo>
-                  <a:lnTo>
-                    <a:pt x="4542527" y="0"/>
-                  </a:lnTo>
-                  <a:lnTo>
-                    <a:pt x="4542527" y="2435268"/>
-                  </a:lnTo>
-                  <a:lnTo>
-                    <a:pt x="0" y="2435268"/>
-                  </a:lnTo>
-                  <a:close/>
-                </a:path>
-              </a:pathLst>
-            </a:custGeom>
-            <a:solidFill>
-              <a:srgbClr val="000000">
-                <a:alpha val="0"/>
-              </a:srgbClr>
-            </a:solidFill>
-            <a:ln w="38100" cap="sq">
-              <a:solidFill>
-                <a:srgbClr val="0E3B25"/>
-              </a:solidFill>
-              <a:prstDash val="solid"/>
-              <a:miter/>
-            </a:ln>
-          </p:spPr>
-        </p:sp>
-        <p:sp>
-          <p:nvSpPr>
-            <p:cNvPr name="TextBox 12" id="12"/>
             <p:cNvSpPr txBox="true"/>
             <p:nvPr/>
           </p:nvSpPr>
